--- a/ex/03_manipulating_data.pptx
+++ b/ex/03_manipulating_data.pptx
@@ -7,6 +7,20 @@
   <p:sldIdLst>
     <p:sldId id="256" r:id="rId2"/>
     <p:sldId id="265" r:id="rId3"/>
+    <p:sldId id="266" r:id="rId4"/>
+    <p:sldId id="268" r:id="rId5"/>
+    <p:sldId id="278" r:id="rId6"/>
+    <p:sldId id="279" r:id="rId7"/>
+    <p:sldId id="280" r:id="rId8"/>
+    <p:sldId id="270" r:id="rId9"/>
+    <p:sldId id="269" r:id="rId10"/>
+    <p:sldId id="271" r:id="rId11"/>
+    <p:sldId id="272" r:id="rId12"/>
+    <p:sldId id="274" r:id="rId13"/>
+    <p:sldId id="273" r:id="rId14"/>
+    <p:sldId id="275" r:id="rId15"/>
+    <p:sldId id="276" r:id="rId16"/>
+    <p:sldId id="277" r:id="rId17"/>
   </p:sldIdLst>
   <p:sldSz cx="12192000" cy="6858000"/>
   <p:notesSz cx="6858000" cy="9144000"/>
@@ -334,7 +348,7 @@
           <a:p>
             <a:fld id="{5FCDCD17-B0B1-A244-9BB5-D7228F76BED7}" type="datetime3">
               <a:rPr lang="en-SG" smtClean="0"/>
-              <a:t>26 February 2023</a:t>
+              <a:t>27 February 2023</a:t>
             </a:fld>
             <a:endParaRPr lang="en-US" dirty="0"/>
           </a:p>
@@ -702,7 +716,7 @@
           <a:p>
             <a:fld id="{ADD28603-00EC-3A4D-B44A-BEF0A0F382C6}" type="datetime3">
               <a:rPr lang="en-SG" smtClean="0"/>
-              <a:t>26 February 2023</a:t>
+              <a:t>27 February 2023</a:t>
             </a:fld>
             <a:endParaRPr lang="en-US"/>
           </a:p>
@@ -1100,7 +1114,7 @@
           <a:p>
             <a:fld id="{E6645DC1-DD2E-5147-813A-145518F6A88E}" type="datetime3">
               <a:rPr lang="en-SG" smtClean="0"/>
-              <a:t>26 February 2023</a:t>
+              <a:t>27 February 2023</a:t>
             </a:fld>
             <a:endParaRPr lang="en-US"/>
           </a:p>
@@ -1401,7 +1415,7 @@
           <a:p>
             <a:fld id="{9CE5D27D-0906-C849-85EF-1698976BF415}" type="datetime3">
               <a:rPr lang="en-SG" smtClean="0"/>
-              <a:t>26 February 2023</a:t>
+              <a:t>27 February 2023</a:t>
             </a:fld>
             <a:endParaRPr lang="en-US"/>
           </a:p>
@@ -1979,7 +1993,7 @@
           <a:p>
             <a:fld id="{B644A007-AED7-CC4E-A6C9-9429041AE4C9}" type="datetime3">
               <a:rPr lang="en-SG" smtClean="0"/>
-              <a:t>26 February 2023</a:t>
+              <a:t>27 February 2023</a:t>
             </a:fld>
             <a:endParaRPr lang="en-US"/>
           </a:p>
@@ -2387,7 +2401,7 @@
           <a:p>
             <a:fld id="{06911E40-0033-E74E-A93D-D0B3F4840C2B}" type="datetime3">
               <a:rPr lang="en-SG" smtClean="0"/>
-              <a:t>26 February 2023</a:t>
+              <a:t>27 February 2023</a:t>
             </a:fld>
             <a:endParaRPr lang="en-US"/>
           </a:p>
@@ -2600,7 +2614,7 @@
           <a:p>
             <a:fld id="{FDD5ADF8-FB30-A140-BC76-B82B3346A618}" type="datetime3">
               <a:rPr lang="en-SG" smtClean="0"/>
-              <a:t>26 February 2023</a:t>
+              <a:t>27 February 2023</a:t>
             </a:fld>
             <a:endParaRPr lang="en-US"/>
           </a:p>
@@ -2943,7 +2957,7 @@
           <a:p>
             <a:fld id="{2EF13291-2998-1E45-BB6C-14491E304C83}" type="datetime3">
               <a:rPr lang="en-SG" smtClean="0"/>
-              <a:t>26 February 2023</a:t>
+              <a:t>27 February 2023</a:t>
             </a:fld>
             <a:endParaRPr lang="en-US"/>
           </a:p>
@@ -3262,7 +3276,7 @@
           <a:p>
             <a:fld id="{7BDC71DE-80FC-B640-A19E-6715081E17F0}" type="datetime3">
               <a:rPr lang="en-SG" smtClean="0"/>
-              <a:t>26 February 2023</a:t>
+              <a:t>27 February 2023</a:t>
             </a:fld>
             <a:endParaRPr lang="en-US"/>
           </a:p>
@@ -3537,7 +3551,7 @@
           <a:p>
             <a:fld id="{39E2CDA4-D7DD-D048-900A-DFEB5E81218B}" type="datetime3">
               <a:rPr lang="en-SG" smtClean="0"/>
-              <a:t>26 February 2023</a:t>
+              <a:t>27 February 2023</a:t>
             </a:fld>
             <a:endParaRPr lang="en-US" dirty="0"/>
           </a:p>
@@ -4104,6 +4118,1494 @@
 </p:sld>
 </file>
 
+<file path=ppt/slides/slide10.xml><?xml version="1.0" encoding="utf-8"?>
+<p:sld xmlns:a="http://schemas.openxmlformats.org/drawingml/2006/main" xmlns:r="http://schemas.openxmlformats.org/officeDocument/2006/relationships" xmlns:p="http://schemas.openxmlformats.org/presentationml/2006/main">
+  <p:cSld>
+    <p:spTree>
+      <p:nvGrpSpPr>
+        <p:cNvPr id="1" name=""/>
+        <p:cNvGrpSpPr/>
+        <p:nvPr/>
+      </p:nvGrpSpPr>
+      <p:grpSpPr>
+        <a:xfrm>
+          <a:off x="0" y="0"/>
+          <a:ext cx="0" cy="0"/>
+          <a:chOff x="0" y="0"/>
+          <a:chExt cx="0" cy="0"/>
+        </a:xfrm>
+      </p:grpSpPr>
+      <p:sp>
+        <p:nvSpPr>
+          <p:cNvPr id="2" name="Title 1">
+            <a:extLst>
+              <a:ext uri="{FF2B5EF4-FFF2-40B4-BE49-F238E27FC236}">
+                <a16:creationId xmlns:a16="http://schemas.microsoft.com/office/drawing/2014/main" id="{6E73CF02-DC49-ACE4-2BB1-8B20BE7A811B}"/>
+              </a:ext>
+            </a:extLst>
+          </p:cNvPr>
+          <p:cNvSpPr>
+            <a:spLocks noGrp="1"/>
+          </p:cNvSpPr>
+          <p:nvPr>
+            <p:ph type="title"/>
+          </p:nvPr>
+        </p:nvSpPr>
+        <p:spPr/>
+        <p:txBody>
+          <a:bodyPr/>
+          <a:lstStyle/>
+          <a:p>
+            <a:r>
+              <a:rPr lang="en-US" dirty="0"/>
+              <a:t>Pipe</a:t>
+            </a:r>
+          </a:p>
+        </p:txBody>
+      </p:sp>
+      <p:sp>
+        <p:nvSpPr>
+          <p:cNvPr id="3" name="Content Placeholder 2">
+            <a:extLst>
+              <a:ext uri="{FF2B5EF4-FFF2-40B4-BE49-F238E27FC236}">
+                <a16:creationId xmlns:a16="http://schemas.microsoft.com/office/drawing/2014/main" id="{E2A02BA1-50D8-4F13-D2AE-EED35438DE6E}"/>
+              </a:ext>
+            </a:extLst>
+          </p:cNvPr>
+          <p:cNvSpPr>
+            <a:spLocks noGrp="1"/>
+          </p:cNvSpPr>
+          <p:nvPr>
+            <p:ph idx="1"/>
+          </p:nvPr>
+        </p:nvSpPr>
+        <p:spPr/>
+        <p:txBody>
+          <a:bodyPr/>
+          <a:lstStyle/>
+          <a:p>
+            <a:r>
+              <a:rPr lang="en-US" dirty="0">
+                <a:solidFill>
+                  <a:schemeClr val="accent1"/>
+                </a:solidFill>
+                <a:latin typeface="Fira Code Retina" pitchFamily="49" charset="0"/>
+                <a:ea typeface="Fira Code Retina" pitchFamily="49" charset="0"/>
+                <a:cs typeface="Fira Code Retina" pitchFamily="49" charset="0"/>
+              </a:rPr>
+              <a:t>|&gt;</a:t>
+            </a:r>
+            <a:r>
+              <a:rPr lang="en-US" dirty="0">
+                <a:latin typeface="Fira Code Retina" pitchFamily="49" charset="0"/>
+                <a:ea typeface="Fira Code Retina" pitchFamily="49" charset="0"/>
+                <a:cs typeface="Fira Code Retina" pitchFamily="49" charset="0"/>
+              </a:rPr>
+              <a:t> </a:t>
+            </a:r>
+            <a:r>
+              <a:rPr lang="en-US" dirty="0"/>
+              <a:t>or  </a:t>
+            </a:r>
+            <a:r>
+              <a:rPr lang="en-US" dirty="0">
+                <a:solidFill>
+                  <a:schemeClr val="accent1"/>
+                </a:solidFill>
+                <a:latin typeface="Fira Code Retina" pitchFamily="49" charset="0"/>
+                <a:ea typeface="Fira Code Retina" pitchFamily="49" charset="0"/>
+                <a:cs typeface="Fira Code Retina" pitchFamily="49" charset="0"/>
+              </a:rPr>
+              <a:t>%&gt;%</a:t>
+            </a:r>
+          </a:p>
+          <a:p>
+            <a:r>
+              <a:rPr lang="en-US" dirty="0">
+                <a:latin typeface="Calibri" panose="020F0502020204030204" pitchFamily="34" charset="0"/>
+                <a:ea typeface="Fira Code Retina" pitchFamily="49" charset="0"/>
+                <a:cs typeface="Calibri" panose="020F0502020204030204" pitchFamily="34" charset="0"/>
+              </a:rPr>
+              <a:t>Base R pipe or </a:t>
+            </a:r>
+            <a:r>
+              <a:rPr lang="en-US" sz="2000" dirty="0" err="1">
+                <a:solidFill>
+                  <a:schemeClr val="accent1"/>
+                </a:solidFill>
+                <a:latin typeface="Fira Code Retina" pitchFamily="49" charset="0"/>
+                <a:ea typeface="Fira Code Retina" pitchFamily="49" charset="0"/>
+                <a:cs typeface="Fira Code Retina" pitchFamily="49" charset="0"/>
+              </a:rPr>
+              <a:t>magrittr</a:t>
+            </a:r>
+            <a:r>
+              <a:rPr lang="en-US" dirty="0">
+                <a:latin typeface="Calibri" panose="020F0502020204030204" pitchFamily="34" charset="0"/>
+                <a:ea typeface="Fira Code Retina" pitchFamily="49" charset="0"/>
+                <a:cs typeface="Calibri" panose="020F0502020204030204" pitchFamily="34" charset="0"/>
+              </a:rPr>
+              <a:t> pipe</a:t>
+            </a:r>
+          </a:p>
+          <a:p>
+            <a:r>
+              <a:rPr lang="en-US" dirty="0">
+                <a:latin typeface="Calibri" panose="020F0502020204030204" pitchFamily="34" charset="0"/>
+                <a:ea typeface="Fira Code Retina" pitchFamily="49" charset="0"/>
+                <a:cs typeface="Calibri" panose="020F0502020204030204" pitchFamily="34" charset="0"/>
+              </a:rPr>
+              <a:t>Configure RStudio shortcut for pipe</a:t>
+            </a:r>
+          </a:p>
+        </p:txBody>
+      </p:sp>
+      <p:graphicFrame>
+        <p:nvGraphicFramePr>
+          <p:cNvPr id="7" name="Table 5">
+            <a:extLst>
+              <a:ext uri="{FF2B5EF4-FFF2-40B4-BE49-F238E27FC236}">
+                <a16:creationId xmlns:a16="http://schemas.microsoft.com/office/drawing/2014/main" id="{ACB87BEB-A61A-A360-E546-F475E1FC62BA}"/>
+              </a:ext>
+            </a:extLst>
+          </p:cNvPr>
+          <p:cNvGraphicFramePr>
+            <a:graphicFrameLocks/>
+          </p:cNvGraphicFramePr>
+          <p:nvPr>
+            <p:extLst>
+              <p:ext uri="{D42A27DB-BD31-4B8C-83A1-F6EECF244321}">
+                <p14:modId xmlns:p14="http://schemas.microsoft.com/office/powerpoint/2010/main" val="2595892184"/>
+              </p:ext>
+            </p:extLst>
+          </p:nvPr>
+        </p:nvGraphicFramePr>
+        <p:xfrm>
+          <a:off x="958421" y="3429000"/>
+          <a:ext cx="10275158" cy="3144520"/>
+        </p:xfrm>
+        <a:graphic>
+          <a:graphicData uri="http://schemas.openxmlformats.org/drawingml/2006/table">
+            <a:tbl>
+              <a:tblPr firstRow="1" bandRow="1">
+                <a:tableStyleId>{912C8C85-51F0-491E-9774-3900AFEF0FD7}</a:tableStyleId>
+              </a:tblPr>
+              <a:tblGrid>
+                <a:gridCol w="6542130">
+                  <a:extLst>
+                    <a:ext uri="{9D8B030D-6E8A-4147-A177-3AD203B41FA5}">
+                      <a16:colId xmlns:a16="http://schemas.microsoft.com/office/drawing/2014/main" val="3243834312"/>
+                    </a:ext>
+                  </a:extLst>
+                </a:gridCol>
+                <a:gridCol w="3733028">
+                  <a:extLst>
+                    <a:ext uri="{9D8B030D-6E8A-4147-A177-3AD203B41FA5}">
+                      <a16:colId xmlns:a16="http://schemas.microsoft.com/office/drawing/2014/main" val="3286746402"/>
+                    </a:ext>
+                  </a:extLst>
+                </a:gridCol>
+              </a:tblGrid>
+              <a:tr h="318238">
+                <a:tc>
+                  <a:txBody>
+                    <a:bodyPr/>
+                    <a:lstStyle/>
+                    <a:p>
+                      <a:pPr algn="ctr"/>
+                      <a:r>
+                        <a:rPr lang="en-US" sz="2000" dirty="0">
+                          <a:latin typeface="Cambria" panose="02040503050406030204" pitchFamily="18" charset="0"/>
+                        </a:rPr>
+                        <a:t>Normal function call</a:t>
+                      </a:r>
+                    </a:p>
+                  </a:txBody>
+                  <a:tcPr>
+                    <a:lnL w="12700" cap="flat" cmpd="sng" algn="ctr">
+                      <a:noFill/>
+                      <a:prstDash val="solid"/>
+                      <a:round/>
+                      <a:headEnd type="none" w="med" len="med"/>
+                      <a:tailEnd type="none" w="med" len="med"/>
+                    </a:lnL>
+                    <a:lnR w="12700" cap="flat" cmpd="sng" algn="ctr">
+                      <a:solidFill>
+                        <a:srgbClr val="879238"/>
+                      </a:solidFill>
+                      <a:prstDash val="solid"/>
+                      <a:round/>
+                      <a:headEnd type="none" w="med" len="med"/>
+                      <a:tailEnd type="none" w="med" len="med"/>
+                    </a:lnR>
+                    <a:lnT w="12700" cap="flat" cmpd="sng" algn="ctr">
+                      <a:solidFill>
+                        <a:srgbClr val="879238"/>
+                      </a:solidFill>
+                      <a:prstDash val="solid"/>
+                      <a:round/>
+                      <a:headEnd type="none" w="med" len="med"/>
+                      <a:tailEnd type="none" w="med" len="med"/>
+                    </a:lnT>
+                    <a:solidFill>
+                      <a:srgbClr val="879238"/>
+                    </a:solidFill>
+                  </a:tcPr>
+                </a:tc>
+                <a:tc>
+                  <a:txBody>
+                    <a:bodyPr/>
+                    <a:lstStyle/>
+                    <a:p>
+                      <a:pPr marL="0" marR="0" lvl="0" indent="0" algn="ctr" defTabSz="914400" rtl="0" eaLnBrk="1" fontAlgn="auto" latinLnBrk="0" hangingPunct="1">
+                        <a:lnSpc>
+                          <a:spcPct val="100000"/>
+                        </a:lnSpc>
+                        <a:spcBef>
+                          <a:spcPts val="0"/>
+                        </a:spcBef>
+                        <a:spcAft>
+                          <a:spcPts val="0"/>
+                        </a:spcAft>
+                        <a:buClrTx/>
+                        <a:buSzTx/>
+                        <a:buFontTx/>
+                        <a:buNone/>
+                        <a:tabLst/>
+                        <a:defRPr/>
+                      </a:pPr>
+                      <a:r>
+                        <a:rPr lang="en-US" sz="2000" dirty="0">
+                          <a:latin typeface="Cambria" panose="02040503050406030204" pitchFamily="18" charset="0"/>
+                        </a:rPr>
+                        <a:t>Piped function call</a:t>
+                      </a:r>
+                    </a:p>
+                  </a:txBody>
+                  <a:tcPr>
+                    <a:lnL w="12700" cap="flat" cmpd="sng" algn="ctr">
+                      <a:solidFill>
+                        <a:srgbClr val="879238"/>
+                      </a:solidFill>
+                      <a:prstDash val="solid"/>
+                      <a:round/>
+                      <a:headEnd type="none" w="med" len="med"/>
+                      <a:tailEnd type="none" w="med" len="med"/>
+                    </a:lnL>
+                    <a:lnR w="12700" cap="flat" cmpd="sng" algn="ctr">
+                      <a:noFill/>
+                      <a:prstDash val="solid"/>
+                      <a:round/>
+                      <a:headEnd type="none" w="med" len="med"/>
+                      <a:tailEnd type="none" w="med" len="med"/>
+                    </a:lnR>
+                    <a:lnT w="12700" cap="flat" cmpd="sng" algn="ctr">
+                      <a:solidFill>
+                        <a:srgbClr val="879238"/>
+                      </a:solidFill>
+                      <a:prstDash val="solid"/>
+                      <a:round/>
+                      <a:headEnd type="none" w="med" len="med"/>
+                      <a:tailEnd type="none" w="med" len="med"/>
+                    </a:lnT>
+                    <a:solidFill>
+                      <a:srgbClr val="879238"/>
+                    </a:solidFill>
+                  </a:tcPr>
+                </a:tc>
+                <a:extLst>
+                  <a:ext uri="{0D108BD9-81ED-4DB2-BD59-A6C34878D82A}">
+                    <a16:rowId xmlns:a16="http://schemas.microsoft.com/office/drawing/2014/main" val="1532929937"/>
+                  </a:ext>
+                </a:extLst>
+              </a:tr>
+              <a:tr h="370840">
+                <a:tc>
+                  <a:txBody>
+                    <a:bodyPr/>
+                    <a:lstStyle/>
+                    <a:p>
+                      <a:r>
+                        <a:rPr lang="en-SG" sz="1800" b="0" i="0" kern="1200" dirty="0">
+                          <a:solidFill>
+                            <a:schemeClr val="accent1"/>
+                          </a:solidFill>
+                          <a:effectLst/>
+                          <a:latin typeface="Fira Code Retina" pitchFamily="49" charset="0"/>
+                          <a:ea typeface="Fira Code Retina" pitchFamily="49" charset="0"/>
+                          <a:cs typeface="Fira Code Retina" pitchFamily="49" charset="0"/>
+                        </a:rPr>
+                        <a:t>fn1(x)</a:t>
+                      </a:r>
+                      <a:endParaRPr lang="en-US" sz="1800" dirty="0">
+                        <a:solidFill>
+                          <a:schemeClr val="accent1"/>
+                        </a:solidFill>
+                        <a:latin typeface="Fira Code Retina" pitchFamily="49" charset="0"/>
+                        <a:ea typeface="Fira Code Retina" pitchFamily="49" charset="0"/>
+                        <a:cs typeface="Fira Code Retina" pitchFamily="49" charset="0"/>
+                      </a:endParaRPr>
+                    </a:p>
+                  </a:txBody>
+                  <a:tcPr>
+                    <a:lnL w="12700" cap="flat" cmpd="sng" algn="ctr">
+                      <a:noFill/>
+                      <a:prstDash val="solid"/>
+                      <a:round/>
+                      <a:headEnd type="none" w="med" len="med"/>
+                      <a:tailEnd type="none" w="med" len="med"/>
+                    </a:lnL>
+                    <a:lnR w="12700" cap="flat" cmpd="sng" algn="ctr">
+                      <a:solidFill>
+                        <a:srgbClr val="879238"/>
+                      </a:solidFill>
+                      <a:prstDash val="solid"/>
+                      <a:round/>
+                      <a:headEnd type="none" w="med" len="med"/>
+                      <a:tailEnd type="none" w="med" len="med"/>
+                    </a:lnR>
+                  </a:tcPr>
+                </a:tc>
+                <a:tc>
+                  <a:txBody>
+                    <a:bodyPr/>
+                    <a:lstStyle/>
+                    <a:p>
+                      <a:r>
+                        <a:rPr lang="en-SG" sz="1800" b="0" i="0" kern="1200" dirty="0">
+                          <a:solidFill>
+                            <a:schemeClr val="accent1"/>
+                          </a:solidFill>
+                          <a:effectLst/>
+                          <a:latin typeface="Fira Code Retina" pitchFamily="49" charset="0"/>
+                          <a:ea typeface="Fira Code Retina" pitchFamily="49" charset="0"/>
+                          <a:cs typeface="Fira Code Retina" pitchFamily="49" charset="0"/>
+                        </a:rPr>
+                        <a:t>x |&gt; fn1()</a:t>
+                      </a:r>
+                    </a:p>
+                  </a:txBody>
+                  <a:tcPr>
+                    <a:lnL w="12700" cap="flat" cmpd="sng" algn="ctr">
+                      <a:solidFill>
+                        <a:srgbClr val="879238"/>
+                      </a:solidFill>
+                      <a:prstDash val="solid"/>
+                      <a:round/>
+                      <a:headEnd type="none" w="med" len="med"/>
+                      <a:tailEnd type="none" w="med" len="med"/>
+                    </a:lnL>
+                    <a:lnR w="12700" cap="flat" cmpd="sng" algn="ctr">
+                      <a:noFill/>
+                      <a:prstDash val="solid"/>
+                      <a:round/>
+                      <a:headEnd type="none" w="med" len="med"/>
+                      <a:tailEnd type="none" w="med" len="med"/>
+                    </a:lnR>
+                  </a:tcPr>
+                </a:tc>
+                <a:extLst>
+                  <a:ext uri="{0D108BD9-81ED-4DB2-BD59-A6C34878D82A}">
+                    <a16:rowId xmlns:a16="http://schemas.microsoft.com/office/drawing/2014/main" val="2749971842"/>
+                  </a:ext>
+                </a:extLst>
+              </a:tr>
+              <a:tr h="370840">
+                <a:tc>
+                  <a:txBody>
+                    <a:bodyPr/>
+                    <a:lstStyle/>
+                    <a:p>
+                      <a:pPr marL="0" marR="0" lvl="0" indent="0" algn="l" defTabSz="914400" rtl="0" eaLnBrk="1" fontAlgn="auto" latinLnBrk="0" hangingPunct="1">
+                        <a:lnSpc>
+                          <a:spcPct val="100000"/>
+                        </a:lnSpc>
+                        <a:spcBef>
+                          <a:spcPts val="0"/>
+                        </a:spcBef>
+                        <a:spcAft>
+                          <a:spcPts val="0"/>
+                        </a:spcAft>
+                        <a:buClrTx/>
+                        <a:buSzTx/>
+                        <a:buFontTx/>
+                        <a:buNone/>
+                        <a:tabLst/>
+                        <a:defRPr/>
+                      </a:pPr>
+                      <a:r>
+                        <a:rPr lang="en-SG" sz="1800" b="0" i="0" kern="1200" dirty="0">
+                          <a:solidFill>
+                            <a:schemeClr val="accent1"/>
+                          </a:solidFill>
+                          <a:effectLst/>
+                          <a:latin typeface="Fira Code Retina" pitchFamily="49" charset="0"/>
+                          <a:ea typeface="Fira Code Retina" pitchFamily="49" charset="0"/>
+                          <a:cs typeface="Fira Code Retina" pitchFamily="49" charset="0"/>
+                        </a:rPr>
+                        <a:t>fn4(fn3(fn2(fn1(x))))</a:t>
+                      </a:r>
+                      <a:endParaRPr lang="en-US" sz="1800" dirty="0">
+                        <a:solidFill>
+                          <a:schemeClr val="accent1"/>
+                        </a:solidFill>
+                        <a:latin typeface="Fira Code Retina" pitchFamily="49" charset="0"/>
+                        <a:ea typeface="Fira Code Retina" pitchFamily="49" charset="0"/>
+                        <a:cs typeface="Fira Code Retina" pitchFamily="49" charset="0"/>
+                      </a:endParaRPr>
+                    </a:p>
+                  </a:txBody>
+                  <a:tcPr>
+                    <a:lnL w="12700" cap="flat" cmpd="sng" algn="ctr">
+                      <a:noFill/>
+                      <a:prstDash val="solid"/>
+                      <a:round/>
+                      <a:headEnd type="none" w="med" len="med"/>
+                      <a:tailEnd type="none" w="med" len="med"/>
+                    </a:lnL>
+                    <a:lnR w="12700" cap="flat" cmpd="sng" algn="ctr">
+                      <a:solidFill>
+                        <a:srgbClr val="879238"/>
+                      </a:solidFill>
+                      <a:prstDash val="solid"/>
+                      <a:round/>
+                      <a:headEnd type="none" w="med" len="med"/>
+                      <a:tailEnd type="none" w="med" len="med"/>
+                    </a:lnR>
+                  </a:tcPr>
+                </a:tc>
+                <a:tc>
+                  <a:txBody>
+                    <a:bodyPr/>
+                    <a:lstStyle/>
+                    <a:p>
+                      <a:r>
+                        <a:rPr lang="en-SG" sz="1800" b="0" i="0" kern="1200" dirty="0">
+                          <a:solidFill>
+                            <a:schemeClr val="accent1"/>
+                          </a:solidFill>
+                          <a:effectLst/>
+                          <a:latin typeface="Fira Code Retina" pitchFamily="49" charset="0"/>
+                          <a:ea typeface="Fira Code Retina" pitchFamily="49" charset="0"/>
+                          <a:cs typeface="Fira Code Retina" pitchFamily="49" charset="0"/>
+                        </a:rPr>
+                        <a:t>x |&gt;</a:t>
+                      </a:r>
+                    </a:p>
+                    <a:p>
+                      <a:r>
+                        <a:rPr lang="en-SG" sz="1800" b="0" i="0" kern="1200" dirty="0">
+                          <a:solidFill>
+                            <a:schemeClr val="accent1"/>
+                          </a:solidFill>
+                          <a:effectLst/>
+                          <a:latin typeface="Fira Code Retina" pitchFamily="49" charset="0"/>
+                          <a:ea typeface="Fira Code Retina" pitchFamily="49" charset="0"/>
+                          <a:cs typeface="Fira Code Retina" pitchFamily="49" charset="0"/>
+                        </a:rPr>
+                        <a:t>  fn1() |&gt;</a:t>
+                      </a:r>
+                    </a:p>
+                    <a:p>
+                      <a:r>
+                        <a:rPr lang="en-SG" sz="1800" b="0" i="0" kern="1200" dirty="0">
+                          <a:solidFill>
+                            <a:schemeClr val="accent1"/>
+                          </a:solidFill>
+                          <a:effectLst/>
+                          <a:latin typeface="Fira Code Retina" pitchFamily="49" charset="0"/>
+                          <a:ea typeface="Fira Code Retina" pitchFamily="49" charset="0"/>
+                          <a:cs typeface="Fira Code Retina" pitchFamily="49" charset="0"/>
+                        </a:rPr>
+                        <a:t>  fn2() |&gt;</a:t>
+                      </a:r>
+                    </a:p>
+                    <a:p>
+                      <a:r>
+                        <a:rPr lang="en-SG" sz="1800" b="0" i="0" kern="1200" dirty="0">
+                          <a:solidFill>
+                            <a:schemeClr val="accent1"/>
+                          </a:solidFill>
+                          <a:effectLst/>
+                          <a:latin typeface="Fira Code Retina" pitchFamily="49" charset="0"/>
+                          <a:ea typeface="Fira Code Retina" pitchFamily="49" charset="0"/>
+                          <a:cs typeface="Fira Code Retina" pitchFamily="49" charset="0"/>
+                        </a:rPr>
+                        <a:t>  fn3() |&gt;</a:t>
+                      </a:r>
+                    </a:p>
+                    <a:p>
+                      <a:r>
+                        <a:rPr lang="en-SG" sz="1800" b="0" i="0" kern="1200" dirty="0">
+                          <a:solidFill>
+                            <a:schemeClr val="accent1"/>
+                          </a:solidFill>
+                          <a:effectLst/>
+                          <a:latin typeface="Fira Code Retina" pitchFamily="49" charset="0"/>
+                          <a:ea typeface="Fira Code Retina" pitchFamily="49" charset="0"/>
+                          <a:cs typeface="Fira Code Retina" pitchFamily="49" charset="0"/>
+                        </a:rPr>
+                        <a:t>  fn4()</a:t>
+                      </a:r>
+                    </a:p>
+                  </a:txBody>
+                  <a:tcPr>
+                    <a:lnL w="12700" cap="flat" cmpd="sng" algn="ctr">
+                      <a:solidFill>
+                        <a:srgbClr val="879238"/>
+                      </a:solidFill>
+                      <a:prstDash val="solid"/>
+                      <a:round/>
+                      <a:headEnd type="none" w="med" len="med"/>
+                      <a:tailEnd type="none" w="med" len="med"/>
+                    </a:lnL>
+                    <a:lnR w="12700" cap="flat" cmpd="sng" algn="ctr">
+                      <a:noFill/>
+                      <a:prstDash val="solid"/>
+                      <a:round/>
+                      <a:headEnd type="none" w="med" len="med"/>
+                      <a:tailEnd type="none" w="med" len="med"/>
+                    </a:lnR>
+                  </a:tcPr>
+                </a:tc>
+                <a:extLst>
+                  <a:ext uri="{0D108BD9-81ED-4DB2-BD59-A6C34878D82A}">
+                    <a16:rowId xmlns:a16="http://schemas.microsoft.com/office/drawing/2014/main" val="1451280957"/>
+                  </a:ext>
+                </a:extLst>
+              </a:tr>
+              <a:tr h="370840">
+                <a:tc>
+                  <a:txBody>
+                    <a:bodyPr/>
+                    <a:lstStyle/>
+                    <a:p>
+                      <a:r>
+                        <a:rPr lang="en-US" sz="1800" dirty="0">
+                          <a:solidFill>
+                            <a:schemeClr val="accent1"/>
+                          </a:solidFill>
+                          <a:latin typeface="Fira Code Retina" pitchFamily="49" charset="0"/>
+                          <a:ea typeface="Fira Code Retina" pitchFamily="49" charset="0"/>
+                          <a:cs typeface="Fira Code Retina" pitchFamily="49" charset="0"/>
+                        </a:rPr>
+                        <a:t>filter(select(data, col1, col2), col1 == 1)</a:t>
+                      </a:r>
+                    </a:p>
+                  </a:txBody>
+                  <a:tcPr>
+                    <a:lnL w="12700" cap="flat" cmpd="sng" algn="ctr">
+                      <a:noFill/>
+                      <a:prstDash val="solid"/>
+                      <a:round/>
+                      <a:headEnd type="none" w="med" len="med"/>
+                      <a:tailEnd type="none" w="med" len="med"/>
+                    </a:lnL>
+                    <a:lnR w="12700" cap="flat" cmpd="sng" algn="ctr">
+                      <a:solidFill>
+                        <a:srgbClr val="879238"/>
+                      </a:solidFill>
+                      <a:prstDash val="solid"/>
+                      <a:round/>
+                      <a:headEnd type="none" w="med" len="med"/>
+                      <a:tailEnd type="none" w="med" len="med"/>
+                    </a:lnR>
+                  </a:tcPr>
+                </a:tc>
+                <a:tc>
+                  <a:txBody>
+                    <a:bodyPr/>
+                    <a:lstStyle/>
+                    <a:p>
+                      <a:pPr marL="0" marR="0" lvl="0" indent="0" algn="l" defTabSz="914400" rtl="0" eaLnBrk="1" fontAlgn="auto" latinLnBrk="0" hangingPunct="1">
+                        <a:lnSpc>
+                          <a:spcPct val="100000"/>
+                        </a:lnSpc>
+                        <a:spcBef>
+                          <a:spcPts val="0"/>
+                        </a:spcBef>
+                        <a:spcAft>
+                          <a:spcPts val="0"/>
+                        </a:spcAft>
+                        <a:buClrTx/>
+                        <a:buSzTx/>
+                        <a:buFontTx/>
+                        <a:buNone/>
+                        <a:tabLst/>
+                        <a:defRPr/>
+                      </a:pPr>
+                      <a:r>
+                        <a:rPr lang="en-US" sz="1800" dirty="0">
+                          <a:solidFill>
+                            <a:schemeClr val="accent1"/>
+                          </a:solidFill>
+                          <a:latin typeface="Fira Code Retina" pitchFamily="49" charset="0"/>
+                          <a:ea typeface="Fira Code Retina" pitchFamily="49" charset="0"/>
+                          <a:cs typeface="Fira Code Retina" pitchFamily="49" charset="0"/>
+                        </a:rPr>
+                        <a:t>data |&gt;</a:t>
+                      </a:r>
+                    </a:p>
+                    <a:p>
+                      <a:pPr marL="0" marR="0" lvl="0" indent="0" algn="l" defTabSz="914400" rtl="0" eaLnBrk="1" fontAlgn="auto" latinLnBrk="0" hangingPunct="1">
+                        <a:lnSpc>
+                          <a:spcPct val="100000"/>
+                        </a:lnSpc>
+                        <a:spcBef>
+                          <a:spcPts val="0"/>
+                        </a:spcBef>
+                        <a:spcAft>
+                          <a:spcPts val="0"/>
+                        </a:spcAft>
+                        <a:buClrTx/>
+                        <a:buSzTx/>
+                        <a:buFontTx/>
+                        <a:buNone/>
+                        <a:tabLst/>
+                        <a:defRPr/>
+                      </a:pPr>
+                      <a:r>
+                        <a:rPr lang="en-US" sz="1800" dirty="0">
+                          <a:solidFill>
+                            <a:schemeClr val="accent1"/>
+                          </a:solidFill>
+                          <a:latin typeface="Fira Code Retina" pitchFamily="49" charset="0"/>
+                          <a:ea typeface="Fira Code Retina" pitchFamily="49" charset="0"/>
+                          <a:cs typeface="Fira Code Retina" pitchFamily="49" charset="0"/>
+                        </a:rPr>
+                        <a:t>  select(col1, col2) |&gt;</a:t>
+                      </a:r>
+                    </a:p>
+                    <a:p>
+                      <a:pPr marL="0" marR="0" lvl="0" indent="0" algn="l" defTabSz="914400" rtl="0" eaLnBrk="1" fontAlgn="auto" latinLnBrk="0" hangingPunct="1">
+                        <a:lnSpc>
+                          <a:spcPct val="100000"/>
+                        </a:lnSpc>
+                        <a:spcBef>
+                          <a:spcPts val="0"/>
+                        </a:spcBef>
+                        <a:spcAft>
+                          <a:spcPts val="0"/>
+                        </a:spcAft>
+                        <a:buClrTx/>
+                        <a:buSzTx/>
+                        <a:buFontTx/>
+                        <a:buNone/>
+                        <a:tabLst/>
+                        <a:defRPr/>
+                      </a:pPr>
+                      <a:r>
+                        <a:rPr lang="en-US" sz="1800" dirty="0">
+                          <a:solidFill>
+                            <a:schemeClr val="accent1"/>
+                          </a:solidFill>
+                          <a:latin typeface="Fira Code Retina" pitchFamily="49" charset="0"/>
+                          <a:ea typeface="Fira Code Retina" pitchFamily="49" charset="0"/>
+                          <a:cs typeface="Fira Code Retina" pitchFamily="49" charset="0"/>
+                        </a:rPr>
+                        <a:t>  filter(col1 == 1)</a:t>
+                      </a:r>
+                    </a:p>
+                  </a:txBody>
+                  <a:tcPr>
+                    <a:lnL w="12700" cap="flat" cmpd="sng" algn="ctr">
+                      <a:solidFill>
+                        <a:srgbClr val="879238"/>
+                      </a:solidFill>
+                      <a:prstDash val="solid"/>
+                      <a:round/>
+                      <a:headEnd type="none" w="med" len="med"/>
+                      <a:tailEnd type="none" w="med" len="med"/>
+                    </a:lnL>
+                    <a:lnR w="12700" cap="flat" cmpd="sng" algn="ctr">
+                      <a:noFill/>
+                      <a:prstDash val="solid"/>
+                      <a:round/>
+                      <a:headEnd type="none" w="med" len="med"/>
+                      <a:tailEnd type="none" w="med" len="med"/>
+                    </a:lnR>
+                  </a:tcPr>
+                </a:tc>
+                <a:extLst>
+                  <a:ext uri="{0D108BD9-81ED-4DB2-BD59-A6C34878D82A}">
+                    <a16:rowId xmlns:a16="http://schemas.microsoft.com/office/drawing/2014/main" val="2996370014"/>
+                  </a:ext>
+                </a:extLst>
+              </a:tr>
+            </a:tbl>
+          </a:graphicData>
+        </a:graphic>
+      </p:graphicFrame>
+    </p:spTree>
+    <p:extLst>
+      <p:ext uri="{BB962C8B-B14F-4D97-AF65-F5344CB8AC3E}">
+        <p14:creationId xmlns:p14="http://schemas.microsoft.com/office/powerpoint/2010/main" val="3528078042"/>
+      </p:ext>
+    </p:extLst>
+  </p:cSld>
+  <p:clrMapOvr>
+    <a:masterClrMapping/>
+  </p:clrMapOvr>
+</p:sld>
+</file>
+
+<file path=ppt/slides/slide11.xml><?xml version="1.0" encoding="utf-8"?>
+<p:sld xmlns:a="http://schemas.openxmlformats.org/drawingml/2006/main" xmlns:r="http://schemas.openxmlformats.org/officeDocument/2006/relationships" xmlns:p="http://schemas.openxmlformats.org/presentationml/2006/main">
+  <p:cSld>
+    <p:spTree>
+      <p:nvGrpSpPr>
+        <p:cNvPr id="1" name=""/>
+        <p:cNvGrpSpPr/>
+        <p:nvPr/>
+      </p:nvGrpSpPr>
+      <p:grpSpPr>
+        <a:xfrm>
+          <a:off x="0" y="0"/>
+          <a:ext cx="0" cy="0"/>
+          <a:chOff x="0" y="0"/>
+          <a:chExt cx="0" cy="0"/>
+        </a:xfrm>
+      </p:grpSpPr>
+      <p:sp>
+        <p:nvSpPr>
+          <p:cNvPr id="2" name="Title 1">
+            <a:extLst>
+              <a:ext uri="{FF2B5EF4-FFF2-40B4-BE49-F238E27FC236}">
+                <a16:creationId xmlns:a16="http://schemas.microsoft.com/office/drawing/2014/main" id="{0932E52F-61A3-2999-9449-0362ACA1E434}"/>
+              </a:ext>
+            </a:extLst>
+          </p:cNvPr>
+          <p:cNvSpPr>
+            <a:spLocks noGrp="1"/>
+          </p:cNvSpPr>
+          <p:nvPr>
+            <p:ph type="title"/>
+          </p:nvPr>
+        </p:nvSpPr>
+        <p:spPr/>
+        <p:txBody>
+          <a:bodyPr/>
+          <a:lstStyle/>
+          <a:p>
+            <a:r>
+              <a:rPr lang="en-US" dirty="0" err="1">
+                <a:latin typeface="Fira Code Retina" pitchFamily="49" charset="0"/>
+                <a:ea typeface="Fira Code Retina" pitchFamily="49" charset="0"/>
+                <a:cs typeface="Fira Code Retina" pitchFamily="49" charset="0"/>
+              </a:rPr>
+              <a:t>tidyr</a:t>
+            </a:r>
+            <a:endParaRPr lang="en-US" dirty="0">
+              <a:latin typeface="Fira Code Retina" pitchFamily="49" charset="0"/>
+              <a:ea typeface="Fira Code Retina" pitchFamily="49" charset="0"/>
+              <a:cs typeface="Fira Code Retina" pitchFamily="49" charset="0"/>
+            </a:endParaRPr>
+          </a:p>
+        </p:txBody>
+      </p:sp>
+      <p:sp>
+        <p:nvSpPr>
+          <p:cNvPr id="3" name="Text Placeholder 2">
+            <a:extLst>
+              <a:ext uri="{FF2B5EF4-FFF2-40B4-BE49-F238E27FC236}">
+                <a16:creationId xmlns:a16="http://schemas.microsoft.com/office/drawing/2014/main" id="{8EC598F2-B520-0751-CCCA-A454A6B624E1}"/>
+              </a:ext>
+            </a:extLst>
+          </p:cNvPr>
+          <p:cNvSpPr>
+            <a:spLocks noGrp="1"/>
+          </p:cNvSpPr>
+          <p:nvPr>
+            <p:ph type="body" idx="1"/>
+          </p:nvPr>
+        </p:nvSpPr>
+        <p:spPr/>
+        <p:txBody>
+          <a:bodyPr/>
+          <a:lstStyle/>
+          <a:p>
+            <a:endParaRPr lang="en-US"/>
+          </a:p>
+        </p:txBody>
+      </p:sp>
+    </p:spTree>
+    <p:extLst>
+      <p:ext uri="{BB962C8B-B14F-4D97-AF65-F5344CB8AC3E}">
+        <p14:creationId xmlns:p14="http://schemas.microsoft.com/office/powerpoint/2010/main" val="3017332165"/>
+      </p:ext>
+    </p:extLst>
+  </p:cSld>
+  <p:clrMapOvr>
+    <a:masterClrMapping/>
+  </p:clrMapOvr>
+</p:sld>
+</file>
+
+<file path=ppt/slides/slide12.xml><?xml version="1.0" encoding="utf-8"?>
+<p:sld xmlns:a="http://schemas.openxmlformats.org/drawingml/2006/main" xmlns:r="http://schemas.openxmlformats.org/officeDocument/2006/relationships" xmlns:p="http://schemas.openxmlformats.org/presentationml/2006/main">
+  <p:cSld>
+    <p:spTree>
+      <p:nvGrpSpPr>
+        <p:cNvPr id="1" name=""/>
+        <p:cNvGrpSpPr/>
+        <p:nvPr/>
+      </p:nvGrpSpPr>
+      <p:grpSpPr>
+        <a:xfrm>
+          <a:off x="0" y="0"/>
+          <a:ext cx="0" cy="0"/>
+          <a:chOff x="0" y="0"/>
+          <a:chExt cx="0" cy="0"/>
+        </a:xfrm>
+      </p:grpSpPr>
+      <p:sp>
+        <p:nvSpPr>
+          <p:cNvPr id="2" name="Content Placeholder 1">
+            <a:extLst>
+              <a:ext uri="{FF2B5EF4-FFF2-40B4-BE49-F238E27FC236}">
+                <a16:creationId xmlns:a16="http://schemas.microsoft.com/office/drawing/2014/main" id="{74C445D3-086A-320B-6D0F-FCD7BC683296}"/>
+              </a:ext>
+            </a:extLst>
+          </p:cNvPr>
+          <p:cNvSpPr>
+            <a:spLocks noGrp="1"/>
+          </p:cNvSpPr>
+          <p:nvPr>
+            <p:ph sz="half" idx="1"/>
+          </p:nvPr>
+        </p:nvSpPr>
+        <p:spPr/>
+        <p:txBody>
+          <a:bodyPr/>
+          <a:lstStyle/>
+          <a:p>
+            <a:pPr marL="0" indent="0">
+              <a:buNone/>
+            </a:pPr>
+            <a:r>
+              <a:rPr lang="en-US" dirty="0"/>
+              <a:t>Long to wide</a:t>
+            </a:r>
+          </a:p>
+          <a:p>
+            <a:pPr marL="0" indent="0">
+              <a:buNone/>
+            </a:pPr>
+            <a:r>
+              <a:rPr lang="en-US" sz="2000" dirty="0" err="1">
+                <a:solidFill>
+                  <a:schemeClr val="accent1"/>
+                </a:solidFill>
+                <a:latin typeface="Fira Code Retina" pitchFamily="49" charset="0"/>
+                <a:ea typeface="Fira Code Retina" pitchFamily="49" charset="0"/>
+                <a:cs typeface="Fira Code Retina" pitchFamily="49" charset="0"/>
+              </a:rPr>
+              <a:t>pivot_wider</a:t>
+            </a:r>
+            <a:r>
+              <a:rPr lang="en-US" sz="2000" dirty="0">
+                <a:solidFill>
+                  <a:schemeClr val="accent1"/>
+                </a:solidFill>
+                <a:latin typeface="Fira Code Retina" pitchFamily="49" charset="0"/>
+                <a:ea typeface="Fira Code Retina" pitchFamily="49" charset="0"/>
+                <a:cs typeface="Fira Code Retina" pitchFamily="49" charset="0"/>
+              </a:rPr>
+              <a:t>()</a:t>
+            </a:r>
+          </a:p>
+          <a:p>
+            <a:endParaRPr lang="en-US" dirty="0"/>
+          </a:p>
+          <a:p>
+            <a:pPr marL="0" indent="0">
+              <a:buNone/>
+            </a:pPr>
+            <a:r>
+              <a:rPr lang="en-US" dirty="0"/>
+              <a:t>Wide to long</a:t>
+            </a:r>
+          </a:p>
+          <a:p>
+            <a:pPr marL="0" indent="0">
+              <a:buNone/>
+            </a:pPr>
+            <a:r>
+              <a:rPr lang="en-US" sz="2000" dirty="0" err="1">
+                <a:solidFill>
+                  <a:schemeClr val="accent1"/>
+                </a:solidFill>
+                <a:latin typeface="Fira Code Retina" pitchFamily="49" charset="0"/>
+                <a:ea typeface="Fira Code Retina" pitchFamily="49" charset="0"/>
+                <a:cs typeface="Fira Code Retina" pitchFamily="49" charset="0"/>
+              </a:rPr>
+              <a:t>pivot_longer</a:t>
+            </a:r>
+            <a:r>
+              <a:rPr lang="en-US" sz="2000" dirty="0">
+                <a:solidFill>
+                  <a:schemeClr val="accent1"/>
+                </a:solidFill>
+                <a:latin typeface="Fira Code Retina" pitchFamily="49" charset="0"/>
+                <a:ea typeface="Fira Code Retina" pitchFamily="49" charset="0"/>
+                <a:cs typeface="Fira Code Retina" pitchFamily="49" charset="0"/>
+              </a:rPr>
+              <a:t>()</a:t>
+            </a:r>
+          </a:p>
+          <a:p>
+            <a:pPr marL="0" indent="0">
+              <a:buNone/>
+            </a:pPr>
+            <a:endParaRPr lang="en-US" dirty="0"/>
+          </a:p>
+        </p:txBody>
+      </p:sp>
+      <p:sp>
+        <p:nvSpPr>
+          <p:cNvPr id="4" name="Title 3">
+            <a:extLst>
+              <a:ext uri="{FF2B5EF4-FFF2-40B4-BE49-F238E27FC236}">
+                <a16:creationId xmlns:a16="http://schemas.microsoft.com/office/drawing/2014/main" id="{4F236468-4E07-BC14-9C4D-CE834D298E0F}"/>
+              </a:ext>
+            </a:extLst>
+          </p:cNvPr>
+          <p:cNvSpPr>
+            <a:spLocks noGrp="1"/>
+          </p:cNvSpPr>
+          <p:nvPr>
+            <p:ph type="title"/>
+          </p:nvPr>
+        </p:nvSpPr>
+        <p:spPr/>
+        <p:txBody>
+          <a:bodyPr/>
+          <a:lstStyle/>
+          <a:p>
+            <a:r>
+              <a:rPr lang="en-US" dirty="0"/>
+              <a:t>Reshaping data</a:t>
+            </a:r>
+          </a:p>
+        </p:txBody>
+      </p:sp>
+      <p:pic>
+        <p:nvPicPr>
+          <p:cNvPr id="2050" name="Picture 2">
+            <a:extLst>
+              <a:ext uri="{FF2B5EF4-FFF2-40B4-BE49-F238E27FC236}">
+                <a16:creationId xmlns:a16="http://schemas.microsoft.com/office/drawing/2014/main" id="{4FEAF631-C2FF-FF62-5245-0908E048AF76}"/>
+              </a:ext>
+            </a:extLst>
+          </p:cNvPr>
+          <p:cNvPicPr>
+            <a:picLocks noGrp="1" noChangeAspect="1" noChangeArrowheads="1"/>
+          </p:cNvPicPr>
+          <p:nvPr>
+            <p:ph sz="half" idx="2"/>
+          </p:nvPr>
+        </p:nvPicPr>
+        <p:blipFill>
+          <a:blip r:embed="rId2">
+            <a:extLst>
+              <a:ext uri="{28A0092B-C50C-407E-A947-70E740481C1C}">
+                <a14:useLocalDpi xmlns:a14="http://schemas.microsoft.com/office/drawing/2010/main" val="0"/>
+              </a:ext>
+            </a:extLst>
+          </a:blip>
+          <a:srcRect/>
+          <a:stretch>
+            <a:fillRect/>
+          </a:stretch>
+        </p:blipFill>
+        <p:spPr bwMode="auto">
+          <a:xfrm>
+            <a:off x="6587331" y="1825625"/>
+            <a:ext cx="4351338" cy="4351338"/>
+          </a:xfrm>
+          <a:prstGeom prst="rect">
+            <a:avLst/>
+          </a:prstGeom>
+          <a:noFill/>
+          <a:extLst>
+            <a:ext uri="{909E8E84-426E-40DD-AFC4-6F175D3DCCD1}">
+              <a14:hiddenFill xmlns:a14="http://schemas.microsoft.com/office/drawing/2010/main">
+                <a:solidFill>
+                  <a:srgbClr val="FFFFFF"/>
+                </a:solidFill>
+              </a14:hiddenFill>
+            </a:ext>
+          </a:extLst>
+        </p:spPr>
+      </p:pic>
+    </p:spTree>
+    <p:extLst>
+      <p:ext uri="{BB962C8B-B14F-4D97-AF65-F5344CB8AC3E}">
+        <p14:creationId xmlns:p14="http://schemas.microsoft.com/office/powerpoint/2010/main" val="3137669260"/>
+      </p:ext>
+    </p:extLst>
+  </p:cSld>
+  <p:clrMapOvr>
+    <a:masterClrMapping/>
+  </p:clrMapOvr>
+</p:sld>
+</file>
+
+<file path=ppt/slides/slide13.xml><?xml version="1.0" encoding="utf-8"?>
+<p:sld xmlns:a="http://schemas.openxmlformats.org/drawingml/2006/main" xmlns:r="http://schemas.openxmlformats.org/officeDocument/2006/relationships" xmlns:p="http://schemas.openxmlformats.org/presentationml/2006/main">
+  <p:cSld>
+    <p:spTree>
+      <p:nvGrpSpPr>
+        <p:cNvPr id="1" name=""/>
+        <p:cNvGrpSpPr/>
+        <p:nvPr/>
+      </p:nvGrpSpPr>
+      <p:grpSpPr>
+        <a:xfrm>
+          <a:off x="0" y="0"/>
+          <a:ext cx="0" cy="0"/>
+          <a:chOff x="0" y="0"/>
+          <a:chExt cx="0" cy="0"/>
+        </a:xfrm>
+      </p:grpSpPr>
+      <p:sp>
+        <p:nvSpPr>
+          <p:cNvPr id="2" name="Title 1">
+            <a:extLst>
+              <a:ext uri="{FF2B5EF4-FFF2-40B4-BE49-F238E27FC236}">
+                <a16:creationId xmlns:a16="http://schemas.microsoft.com/office/drawing/2014/main" id="{2C3F6D6E-FF30-4750-3763-54F697049566}"/>
+              </a:ext>
+            </a:extLst>
+          </p:cNvPr>
+          <p:cNvSpPr>
+            <a:spLocks noGrp="1"/>
+          </p:cNvSpPr>
+          <p:nvPr>
+            <p:ph type="title"/>
+          </p:nvPr>
+        </p:nvSpPr>
+        <p:spPr/>
+        <p:txBody>
+          <a:bodyPr/>
+          <a:lstStyle/>
+          <a:p>
+            <a:r>
+              <a:rPr lang="en-US" dirty="0"/>
+              <a:t>Long to wide</a:t>
+            </a:r>
+          </a:p>
+        </p:txBody>
+      </p:sp>
+      <p:pic>
+        <p:nvPicPr>
+          <p:cNvPr id="4098" name="Picture 2">
+            <a:extLst>
+              <a:ext uri="{FF2B5EF4-FFF2-40B4-BE49-F238E27FC236}">
+                <a16:creationId xmlns:a16="http://schemas.microsoft.com/office/drawing/2014/main" id="{3D69BEDC-FA2B-EB0A-E2AC-6F5410BF2C33}"/>
+              </a:ext>
+            </a:extLst>
+          </p:cNvPr>
+          <p:cNvPicPr>
+            <a:picLocks noGrp="1" noChangeAspect="1" noChangeArrowheads="1"/>
+          </p:cNvPicPr>
+          <p:nvPr>
+            <p:ph idx="1"/>
+          </p:nvPr>
+        </p:nvPicPr>
+        <p:blipFill>
+          <a:blip r:embed="rId2">
+            <a:extLst>
+              <a:ext uri="{28A0092B-C50C-407E-A947-70E740481C1C}">
+                <a14:useLocalDpi xmlns:a14="http://schemas.microsoft.com/office/drawing/2010/main" val="0"/>
+              </a:ext>
+            </a:extLst>
+          </a:blip>
+          <a:srcRect/>
+          <a:stretch>
+            <a:fillRect/>
+          </a:stretch>
+        </p:blipFill>
+        <p:spPr bwMode="auto">
+          <a:xfrm>
+            <a:off x="1740618" y="1825625"/>
+            <a:ext cx="8710763" cy="4351338"/>
+          </a:xfrm>
+          <a:prstGeom prst="rect">
+            <a:avLst/>
+          </a:prstGeom>
+          <a:noFill/>
+          <a:extLst>
+            <a:ext uri="{909E8E84-426E-40DD-AFC4-6F175D3DCCD1}">
+              <a14:hiddenFill xmlns:a14="http://schemas.microsoft.com/office/drawing/2010/main">
+                <a:solidFill>
+                  <a:srgbClr val="FFFFFF"/>
+                </a:solidFill>
+              </a14:hiddenFill>
+            </a:ext>
+          </a:extLst>
+        </p:spPr>
+      </p:pic>
+    </p:spTree>
+    <p:extLst>
+      <p:ext uri="{BB962C8B-B14F-4D97-AF65-F5344CB8AC3E}">
+        <p14:creationId xmlns:p14="http://schemas.microsoft.com/office/powerpoint/2010/main" val="3070321103"/>
+      </p:ext>
+    </p:extLst>
+  </p:cSld>
+  <p:clrMapOvr>
+    <a:masterClrMapping/>
+  </p:clrMapOvr>
+</p:sld>
+</file>
+
+<file path=ppt/slides/slide14.xml><?xml version="1.0" encoding="utf-8"?>
+<p:sld xmlns:a="http://schemas.openxmlformats.org/drawingml/2006/main" xmlns:r="http://schemas.openxmlformats.org/officeDocument/2006/relationships" xmlns:p="http://schemas.openxmlformats.org/presentationml/2006/main">
+  <p:cSld>
+    <p:spTree>
+      <p:nvGrpSpPr>
+        <p:cNvPr id="1" name=""/>
+        <p:cNvGrpSpPr/>
+        <p:nvPr/>
+      </p:nvGrpSpPr>
+      <p:grpSpPr>
+        <a:xfrm>
+          <a:off x="0" y="0"/>
+          <a:ext cx="0" cy="0"/>
+          <a:chOff x="0" y="0"/>
+          <a:chExt cx="0" cy="0"/>
+        </a:xfrm>
+      </p:grpSpPr>
+      <p:sp>
+        <p:nvSpPr>
+          <p:cNvPr id="2" name="Title 1">
+            <a:extLst>
+              <a:ext uri="{FF2B5EF4-FFF2-40B4-BE49-F238E27FC236}">
+                <a16:creationId xmlns:a16="http://schemas.microsoft.com/office/drawing/2014/main" id="{2C3F6D6E-FF30-4750-3763-54F697049566}"/>
+              </a:ext>
+            </a:extLst>
+          </p:cNvPr>
+          <p:cNvSpPr>
+            <a:spLocks noGrp="1"/>
+          </p:cNvSpPr>
+          <p:nvPr>
+            <p:ph type="title"/>
+          </p:nvPr>
+        </p:nvSpPr>
+        <p:spPr/>
+        <p:txBody>
+          <a:bodyPr/>
+          <a:lstStyle/>
+          <a:p>
+            <a:r>
+              <a:rPr lang="en-US" dirty="0"/>
+              <a:t>Wide to long</a:t>
+            </a:r>
+          </a:p>
+        </p:txBody>
+      </p:sp>
+      <p:pic>
+        <p:nvPicPr>
+          <p:cNvPr id="5124" name="Picture 4">
+            <a:extLst>
+              <a:ext uri="{FF2B5EF4-FFF2-40B4-BE49-F238E27FC236}">
+                <a16:creationId xmlns:a16="http://schemas.microsoft.com/office/drawing/2014/main" id="{651ACF77-021D-7528-1DF9-80781C421D55}"/>
+              </a:ext>
+            </a:extLst>
+          </p:cNvPr>
+          <p:cNvPicPr>
+            <a:picLocks noGrp="1" noChangeAspect="1" noChangeArrowheads="1"/>
+          </p:cNvPicPr>
+          <p:nvPr>
+            <p:ph idx="1"/>
+          </p:nvPr>
+        </p:nvPicPr>
+        <p:blipFill>
+          <a:blip r:embed="rId2">
+            <a:extLst>
+              <a:ext uri="{28A0092B-C50C-407E-A947-70E740481C1C}">
+                <a14:useLocalDpi xmlns:a14="http://schemas.microsoft.com/office/drawing/2010/main" val="0"/>
+              </a:ext>
+            </a:extLst>
+          </a:blip>
+          <a:srcRect/>
+          <a:stretch>
+            <a:fillRect/>
+          </a:stretch>
+        </p:blipFill>
+        <p:spPr bwMode="auto">
+          <a:xfrm>
+            <a:off x="1740618" y="1825625"/>
+            <a:ext cx="8710763" cy="4351338"/>
+          </a:xfrm>
+          <a:prstGeom prst="rect">
+            <a:avLst/>
+          </a:prstGeom>
+          <a:noFill/>
+          <a:extLst>
+            <a:ext uri="{909E8E84-426E-40DD-AFC4-6F175D3DCCD1}">
+              <a14:hiddenFill xmlns:a14="http://schemas.microsoft.com/office/drawing/2010/main">
+                <a:solidFill>
+                  <a:srgbClr val="FFFFFF"/>
+                </a:solidFill>
+              </a14:hiddenFill>
+            </a:ext>
+          </a:extLst>
+        </p:spPr>
+      </p:pic>
+    </p:spTree>
+    <p:extLst>
+      <p:ext uri="{BB962C8B-B14F-4D97-AF65-F5344CB8AC3E}">
+        <p14:creationId xmlns:p14="http://schemas.microsoft.com/office/powerpoint/2010/main" val="293434795"/>
+      </p:ext>
+    </p:extLst>
+  </p:cSld>
+  <p:clrMapOvr>
+    <a:masterClrMapping/>
+  </p:clrMapOvr>
+</p:sld>
+</file>
+
+<file path=ppt/slides/slide15.xml><?xml version="1.0" encoding="utf-8"?>
+<p:sld xmlns:a="http://schemas.openxmlformats.org/drawingml/2006/main" xmlns:r="http://schemas.openxmlformats.org/officeDocument/2006/relationships" xmlns:p="http://schemas.openxmlformats.org/presentationml/2006/main">
+  <p:cSld>
+    <p:spTree>
+      <p:nvGrpSpPr>
+        <p:cNvPr id="1" name=""/>
+        <p:cNvGrpSpPr/>
+        <p:nvPr/>
+      </p:nvGrpSpPr>
+      <p:grpSpPr>
+        <a:xfrm>
+          <a:off x="0" y="0"/>
+          <a:ext cx="0" cy="0"/>
+          <a:chOff x="0" y="0"/>
+          <a:chExt cx="0" cy="0"/>
+        </a:xfrm>
+      </p:grpSpPr>
+      <p:sp>
+        <p:nvSpPr>
+          <p:cNvPr id="2" name="Title 1">
+            <a:extLst>
+              <a:ext uri="{FF2B5EF4-FFF2-40B4-BE49-F238E27FC236}">
+                <a16:creationId xmlns:a16="http://schemas.microsoft.com/office/drawing/2014/main" id="{1D673655-F10E-E500-F666-6344C8543980}"/>
+              </a:ext>
+            </a:extLst>
+          </p:cNvPr>
+          <p:cNvSpPr>
+            <a:spLocks noGrp="1"/>
+          </p:cNvSpPr>
+          <p:nvPr>
+            <p:ph type="title"/>
+          </p:nvPr>
+        </p:nvSpPr>
+        <p:spPr/>
+        <p:txBody>
+          <a:bodyPr/>
+          <a:lstStyle/>
+          <a:p>
+            <a:r>
+              <a:rPr lang="en-US" dirty="0"/>
+              <a:t>Exporting data</a:t>
+            </a:r>
+          </a:p>
+        </p:txBody>
+      </p:sp>
+      <p:sp>
+        <p:nvSpPr>
+          <p:cNvPr id="3" name="Text Placeholder 2">
+            <a:extLst>
+              <a:ext uri="{FF2B5EF4-FFF2-40B4-BE49-F238E27FC236}">
+                <a16:creationId xmlns:a16="http://schemas.microsoft.com/office/drawing/2014/main" id="{C3C2A9C2-8BD0-C3BF-11D1-9DA86EEDD5EA}"/>
+              </a:ext>
+            </a:extLst>
+          </p:cNvPr>
+          <p:cNvSpPr>
+            <a:spLocks noGrp="1"/>
+          </p:cNvSpPr>
+          <p:nvPr>
+            <p:ph type="body" idx="1"/>
+          </p:nvPr>
+        </p:nvSpPr>
+        <p:spPr/>
+        <p:txBody>
+          <a:bodyPr/>
+          <a:lstStyle/>
+          <a:p>
+            <a:endParaRPr lang="en-US"/>
+          </a:p>
+        </p:txBody>
+      </p:sp>
+    </p:spTree>
+    <p:extLst>
+      <p:ext uri="{BB962C8B-B14F-4D97-AF65-F5344CB8AC3E}">
+        <p14:creationId xmlns:p14="http://schemas.microsoft.com/office/powerpoint/2010/main" val="864013075"/>
+      </p:ext>
+    </p:extLst>
+  </p:cSld>
+  <p:clrMapOvr>
+    <a:masterClrMapping/>
+  </p:clrMapOvr>
+</p:sld>
+</file>
+
+<file path=ppt/slides/slide16.xml><?xml version="1.0" encoding="utf-8"?>
+<p:sld xmlns:a="http://schemas.openxmlformats.org/drawingml/2006/main" xmlns:r="http://schemas.openxmlformats.org/officeDocument/2006/relationships" xmlns:p="http://schemas.openxmlformats.org/presentationml/2006/main">
+  <p:cSld>
+    <p:spTree>
+      <p:nvGrpSpPr>
+        <p:cNvPr id="1" name=""/>
+        <p:cNvGrpSpPr/>
+        <p:nvPr/>
+      </p:nvGrpSpPr>
+      <p:grpSpPr>
+        <a:xfrm>
+          <a:off x="0" y="0"/>
+          <a:ext cx="0" cy="0"/>
+          <a:chOff x="0" y="0"/>
+          <a:chExt cx="0" cy="0"/>
+        </a:xfrm>
+      </p:grpSpPr>
+      <p:sp>
+        <p:nvSpPr>
+          <p:cNvPr id="2" name="Title 1">
+            <a:extLst>
+              <a:ext uri="{FF2B5EF4-FFF2-40B4-BE49-F238E27FC236}">
+                <a16:creationId xmlns:a16="http://schemas.microsoft.com/office/drawing/2014/main" id="{5AF89A0A-D3FF-1248-17C3-42F388927EC8}"/>
+              </a:ext>
+            </a:extLst>
+          </p:cNvPr>
+          <p:cNvSpPr>
+            <a:spLocks noGrp="1"/>
+          </p:cNvSpPr>
+          <p:nvPr>
+            <p:ph type="title"/>
+          </p:nvPr>
+        </p:nvSpPr>
+        <p:spPr/>
+        <p:txBody>
+          <a:bodyPr/>
+          <a:lstStyle/>
+          <a:p>
+            <a:r>
+              <a:rPr lang="en-US" dirty="0"/>
+              <a:t>Exporting data</a:t>
+            </a:r>
+          </a:p>
+        </p:txBody>
+      </p:sp>
+      <p:sp>
+        <p:nvSpPr>
+          <p:cNvPr id="3" name="Content Placeholder 2">
+            <a:extLst>
+              <a:ext uri="{FF2B5EF4-FFF2-40B4-BE49-F238E27FC236}">
+                <a16:creationId xmlns:a16="http://schemas.microsoft.com/office/drawing/2014/main" id="{7A157F3C-98BF-A479-3D99-D8035D06CF78}"/>
+              </a:ext>
+            </a:extLst>
+          </p:cNvPr>
+          <p:cNvSpPr>
+            <a:spLocks noGrp="1"/>
+          </p:cNvSpPr>
+          <p:nvPr>
+            <p:ph idx="1"/>
+          </p:nvPr>
+        </p:nvSpPr>
+        <p:spPr>
+          <a:xfrm>
+            <a:off x="838200" y="3328415"/>
+            <a:ext cx="10515600" cy="2848547"/>
+          </a:xfrm>
+        </p:spPr>
+        <p:txBody>
+          <a:bodyPr>
+            <a:normAutofit/>
+          </a:bodyPr>
+          <a:lstStyle/>
+          <a:p>
+            <a:pPr marL="0" indent="0">
+              <a:buNone/>
+            </a:pPr>
+            <a:r>
+              <a:rPr lang="en-US" sz="2000" dirty="0" err="1">
+                <a:solidFill>
+                  <a:schemeClr val="accent1"/>
+                </a:solidFill>
+                <a:latin typeface="Fira Code Retina" pitchFamily="49" charset="0"/>
+                <a:ea typeface="Fira Code Retina" pitchFamily="49" charset="0"/>
+                <a:cs typeface="Fira Code Retina" pitchFamily="49" charset="0"/>
+              </a:rPr>
+              <a:t>write_csv</a:t>
+            </a:r>
+            <a:r>
+              <a:rPr lang="en-US" sz="2000" dirty="0">
+                <a:solidFill>
+                  <a:schemeClr val="accent1"/>
+                </a:solidFill>
+                <a:latin typeface="Fira Code Retina" pitchFamily="49" charset="0"/>
+                <a:ea typeface="Fira Code Retina" pitchFamily="49" charset="0"/>
+                <a:cs typeface="Fira Code Retina" pitchFamily="49" charset="0"/>
+              </a:rPr>
+              <a:t>(</a:t>
+            </a:r>
+            <a:r>
+              <a:rPr lang="en-US" sz="2000" dirty="0" err="1">
+                <a:solidFill>
+                  <a:schemeClr val="accent1"/>
+                </a:solidFill>
+                <a:latin typeface="Fira Code Retina" pitchFamily="49" charset="0"/>
+                <a:ea typeface="Fira Code Retina" pitchFamily="49" charset="0"/>
+                <a:cs typeface="Fira Code Retina" pitchFamily="49" charset="0"/>
+              </a:rPr>
+              <a:t>my_data</a:t>
+            </a:r>
+            <a:r>
+              <a:rPr lang="en-US" sz="2000" dirty="0">
+                <a:solidFill>
+                  <a:schemeClr val="accent1"/>
+                </a:solidFill>
+                <a:latin typeface="Fira Code Retina" pitchFamily="49" charset="0"/>
+                <a:ea typeface="Fira Code Retina" pitchFamily="49" charset="0"/>
+                <a:cs typeface="Fira Code Retina" pitchFamily="49" charset="0"/>
+              </a:rPr>
+              <a:t>, file = "data/</a:t>
+            </a:r>
+            <a:r>
+              <a:rPr lang="en-US" sz="2000" dirty="0" err="1">
+                <a:solidFill>
+                  <a:schemeClr val="accent1"/>
+                </a:solidFill>
+                <a:latin typeface="Fira Code Retina" pitchFamily="49" charset="0"/>
+                <a:ea typeface="Fira Code Retina" pitchFamily="49" charset="0"/>
+                <a:cs typeface="Fira Code Retina" pitchFamily="49" charset="0"/>
+              </a:rPr>
+              <a:t>my_data.csv</a:t>
+            </a:r>
+            <a:r>
+              <a:rPr lang="en-US" sz="2000" dirty="0">
+                <a:solidFill>
+                  <a:schemeClr val="accent1"/>
+                </a:solidFill>
+                <a:latin typeface="Fira Code Retina" pitchFamily="49" charset="0"/>
+                <a:ea typeface="Fira Code Retina" pitchFamily="49" charset="0"/>
+                <a:cs typeface="Fira Code Retina" pitchFamily="49" charset="0"/>
+              </a:rPr>
+              <a:t>")</a:t>
+            </a:r>
+          </a:p>
+        </p:txBody>
+      </p:sp>
+    </p:spTree>
+    <p:extLst>
+      <p:ext uri="{BB962C8B-B14F-4D97-AF65-F5344CB8AC3E}">
+        <p14:creationId xmlns:p14="http://schemas.microsoft.com/office/powerpoint/2010/main" val="1436337504"/>
+      </p:ext>
+    </p:extLst>
+  </p:cSld>
+  <p:clrMapOvr>
+    <a:masterClrMapping/>
+  </p:clrMapOvr>
+</p:sld>
+</file>
+
 <file path=ppt/slides/slide2.xml><?xml version="1.0" encoding="utf-8"?>
 <p:sld xmlns:a="http://schemas.openxmlformats.org/drawingml/2006/main" xmlns:r="http://schemas.openxmlformats.org/officeDocument/2006/relationships" xmlns:p="http://schemas.openxmlformats.org/presentationml/2006/main">
   <p:cSld>
@@ -4149,7 +5651,7 @@
               <a:t>Download: </a:t>
             </a:r>
             <a:r>
-              <a:rPr lang="en-US" dirty="0" err="1">
+              <a:rPr lang="en-US" sz="1800" dirty="0" err="1">
                 <a:solidFill>
                   <a:schemeClr val="accent1"/>
                 </a:solidFill>
@@ -4160,7 +5662,7 @@
               <a:t>download.file</a:t>
             </a:r>
             <a:r>
-              <a:rPr lang="en-US" dirty="0">
+              <a:rPr lang="en-US" sz="1800" dirty="0">
                 <a:solidFill>
                   <a:schemeClr val="accent1"/>
                 </a:solidFill>
@@ -4177,7 +5679,7 @@
               <a:t>Read file: </a:t>
             </a:r>
             <a:r>
-              <a:rPr lang="en-US" dirty="0" err="1">
+              <a:rPr lang="en-US" sz="1800" dirty="0" err="1">
                 <a:solidFill>
                   <a:schemeClr val="accent1"/>
                 </a:solidFill>
@@ -4188,7 +5690,7 @@
               <a:t>read_csv</a:t>
             </a:r>
             <a:r>
-              <a:rPr lang="en-US" dirty="0">
+              <a:rPr lang="en-US" sz="1800" dirty="0">
                 <a:solidFill>
                   <a:schemeClr val="accent1"/>
                 </a:solidFill>
@@ -4202,7 +5704,36 @@
           <a:p>
             <a:r>
               <a:rPr lang="en-US" dirty="0"/>
-              <a:t>View data</a:t>
+              <a:t>View data:</a:t>
+            </a:r>
+          </a:p>
+          <a:p>
+            <a:pPr lvl="1"/>
+            <a:r>
+              <a:rPr lang="en-US" sz="1800" dirty="0">
+                <a:solidFill>
+                  <a:schemeClr val="accent1"/>
+                </a:solidFill>
+                <a:latin typeface="Fira Code Retina" pitchFamily="49" charset="0"/>
+                <a:ea typeface="Fira Code Retina" pitchFamily="49" charset="0"/>
+                <a:cs typeface="Fira Code Retina" pitchFamily="49" charset="0"/>
+              </a:rPr>
+              <a:t>view()</a:t>
+            </a:r>
+          </a:p>
+          <a:p>
+            <a:pPr lvl="1"/>
+            <a:r>
+              <a:rPr lang="en-US" dirty="0"/>
+              <a:t>Place mouse cursor on the </a:t>
+            </a:r>
+            <a:r>
+              <a:rPr lang="en-US" dirty="0" err="1"/>
+              <a:t>dataframe</a:t>
+            </a:r>
+            <a:r>
+              <a:rPr lang="en-US" dirty="0"/>
+              <a:t> name and press F2</a:t>
             </a:r>
           </a:p>
         </p:txBody>
@@ -4267,10 +5798,1793 @@
           </a:prstGeom>
         </p:spPr>
       </p:pic>
+      <p:sp>
+        <p:nvSpPr>
+          <p:cNvPr id="3" name="TextBox 2">
+            <a:extLst>
+              <a:ext uri="{FF2B5EF4-FFF2-40B4-BE49-F238E27FC236}">
+                <a16:creationId xmlns:a16="http://schemas.microsoft.com/office/drawing/2014/main" id="{7DD0A2F6-3314-EC63-9A6A-488556587F0A}"/>
+              </a:ext>
+            </a:extLst>
+          </p:cNvPr>
+          <p:cNvSpPr txBox="1"/>
+          <p:nvPr/>
+        </p:nvSpPr>
+        <p:spPr>
+          <a:xfrm>
+            <a:off x="3479800" y="-1117600"/>
+            <a:ext cx="184731" cy="369332"/>
+          </a:xfrm>
+          <a:prstGeom prst="rect">
+            <a:avLst/>
+          </a:prstGeom>
+          <a:noFill/>
+        </p:spPr>
+        <p:txBody>
+          <a:bodyPr wrap="none" rtlCol="0">
+            <a:spAutoFit/>
+          </a:bodyPr>
+          <a:lstStyle/>
+          <a:p>
+            <a:endParaRPr lang="en-US" dirty="0"/>
+          </a:p>
+        </p:txBody>
+      </p:sp>
     </p:spTree>
     <p:extLst>
       <p:ext uri="{BB962C8B-B14F-4D97-AF65-F5344CB8AC3E}">
         <p14:creationId xmlns:p14="http://schemas.microsoft.com/office/powerpoint/2010/main" val="1771962084"/>
+      </p:ext>
+    </p:extLst>
+  </p:cSld>
+  <p:clrMapOvr>
+    <a:masterClrMapping/>
+  </p:clrMapOvr>
+</p:sld>
+</file>
+
+<file path=ppt/slides/slide3.xml><?xml version="1.0" encoding="utf-8"?>
+<p:sld xmlns:a="http://schemas.openxmlformats.org/drawingml/2006/main" xmlns:r="http://schemas.openxmlformats.org/officeDocument/2006/relationships" xmlns:p="http://schemas.openxmlformats.org/presentationml/2006/main">
+  <p:cSld>
+    <p:spTree>
+      <p:nvGrpSpPr>
+        <p:cNvPr id="1" name=""/>
+        <p:cNvGrpSpPr/>
+        <p:nvPr/>
+      </p:nvGrpSpPr>
+      <p:grpSpPr>
+        <a:xfrm>
+          <a:off x="0" y="0"/>
+          <a:ext cx="0" cy="0"/>
+          <a:chOff x="0" y="0"/>
+          <a:chExt cx="0" cy="0"/>
+        </a:xfrm>
+      </p:grpSpPr>
+      <p:pic>
+        <p:nvPicPr>
+          <p:cNvPr id="1026" name="Picture 2">
+            <a:extLst>
+              <a:ext uri="{FF2B5EF4-FFF2-40B4-BE49-F238E27FC236}">
+                <a16:creationId xmlns:a16="http://schemas.microsoft.com/office/drawing/2014/main" id="{732C213F-041C-F8DB-1B35-E9DE895B042E}"/>
+              </a:ext>
+            </a:extLst>
+          </p:cNvPr>
+          <p:cNvPicPr>
+            <a:picLocks noChangeAspect="1" noChangeArrowheads="1"/>
+          </p:cNvPicPr>
+          <p:nvPr/>
+        </p:nvPicPr>
+        <p:blipFill rotWithShape="1">
+          <a:blip r:embed="rId2">
+            <a:extLst>
+              <a:ext uri="{28A0092B-C50C-407E-A947-70E740481C1C}">
+                <a14:useLocalDpi xmlns:a14="http://schemas.microsoft.com/office/drawing/2010/main" val="0"/>
+              </a:ext>
+            </a:extLst>
+          </a:blip>
+          <a:srcRect t="19444" b="8518"/>
+          <a:stretch/>
+        </p:blipFill>
+        <p:spPr bwMode="auto">
+          <a:xfrm>
+            <a:off x="1922463" y="1333500"/>
+            <a:ext cx="8347075" cy="4940300"/>
+          </a:xfrm>
+          <a:prstGeom prst="rect">
+            <a:avLst/>
+          </a:prstGeom>
+          <a:noFill/>
+          <a:extLst>
+            <a:ext uri="{909E8E84-426E-40DD-AFC4-6F175D3DCCD1}">
+              <a14:hiddenFill xmlns:a14="http://schemas.microsoft.com/office/drawing/2010/main">
+                <a:solidFill>
+                  <a:srgbClr val="FFFFFF"/>
+                </a:solidFill>
+              </a14:hiddenFill>
+            </a:ext>
+          </a:extLst>
+        </p:spPr>
+      </p:pic>
+      <p:sp>
+        <p:nvSpPr>
+          <p:cNvPr id="2" name="Oval 1">
+            <a:extLst>
+              <a:ext uri="{FF2B5EF4-FFF2-40B4-BE49-F238E27FC236}">
+                <a16:creationId xmlns:a16="http://schemas.microsoft.com/office/drawing/2014/main" id="{39F3FDF4-6C14-1C4A-C1A9-2ECFA0CA8861}"/>
+              </a:ext>
+            </a:extLst>
+          </p:cNvPr>
+          <p:cNvSpPr/>
+          <p:nvPr/>
+        </p:nvSpPr>
+        <p:spPr>
+          <a:xfrm>
+            <a:off x="1524000" y="4305300"/>
+            <a:ext cx="2184400" cy="2184400"/>
+          </a:xfrm>
+          <a:prstGeom prst="ellipse">
+            <a:avLst/>
+          </a:prstGeom>
+          <a:noFill/>
+          <a:ln w="57150">
+            <a:solidFill>
+              <a:schemeClr val="accent2"/>
+            </a:solidFill>
+          </a:ln>
+        </p:spPr>
+        <p:style>
+          <a:lnRef idx="2">
+            <a:schemeClr val="accent1"/>
+          </a:lnRef>
+          <a:fillRef idx="1">
+            <a:schemeClr val="lt1"/>
+          </a:fillRef>
+          <a:effectRef idx="0">
+            <a:schemeClr val="accent1"/>
+          </a:effectRef>
+          <a:fontRef idx="minor">
+            <a:schemeClr val="dk1"/>
+          </a:fontRef>
+        </p:style>
+        <p:txBody>
+          <a:bodyPr rtlCol="0" anchor="ctr"/>
+          <a:lstStyle/>
+          <a:p>
+            <a:pPr algn="ctr"/>
+            <a:endParaRPr lang="en-US"/>
+          </a:p>
+        </p:txBody>
+      </p:sp>
+      <p:sp>
+        <p:nvSpPr>
+          <p:cNvPr id="6" name="Oval 5">
+            <a:extLst>
+              <a:ext uri="{FF2B5EF4-FFF2-40B4-BE49-F238E27FC236}">
+                <a16:creationId xmlns:a16="http://schemas.microsoft.com/office/drawing/2014/main" id="{1869C4C4-A72A-3F56-372D-E03C619AE217}"/>
+              </a:ext>
+            </a:extLst>
+          </p:cNvPr>
+          <p:cNvSpPr/>
+          <p:nvPr/>
+        </p:nvSpPr>
+        <p:spPr>
+          <a:xfrm>
+            <a:off x="1524000" y="1079500"/>
+            <a:ext cx="2184400" cy="2184400"/>
+          </a:xfrm>
+          <a:prstGeom prst="ellipse">
+            <a:avLst/>
+          </a:prstGeom>
+          <a:noFill/>
+          <a:ln w="57150">
+            <a:solidFill>
+              <a:schemeClr val="accent2"/>
+            </a:solidFill>
+          </a:ln>
+        </p:spPr>
+        <p:style>
+          <a:lnRef idx="2">
+            <a:schemeClr val="accent1"/>
+          </a:lnRef>
+          <a:fillRef idx="1">
+            <a:schemeClr val="lt1"/>
+          </a:fillRef>
+          <a:effectRef idx="0">
+            <a:schemeClr val="accent1"/>
+          </a:effectRef>
+          <a:fontRef idx="minor">
+            <a:schemeClr val="dk1"/>
+          </a:fontRef>
+        </p:style>
+        <p:txBody>
+          <a:bodyPr rtlCol="0" anchor="ctr"/>
+          <a:lstStyle/>
+          <a:p>
+            <a:pPr algn="ctr"/>
+            <a:endParaRPr lang="en-US"/>
+          </a:p>
+        </p:txBody>
+      </p:sp>
+      <p:sp>
+        <p:nvSpPr>
+          <p:cNvPr id="9" name="Oval 8">
+            <a:extLst>
+              <a:ext uri="{FF2B5EF4-FFF2-40B4-BE49-F238E27FC236}">
+                <a16:creationId xmlns:a16="http://schemas.microsoft.com/office/drawing/2014/main" id="{FB358DF2-5AFB-A59C-A953-5DBA3E3B0E50}"/>
+              </a:ext>
+            </a:extLst>
+          </p:cNvPr>
+          <p:cNvSpPr/>
+          <p:nvPr/>
+        </p:nvSpPr>
+        <p:spPr>
+          <a:xfrm>
+            <a:off x="8483600" y="2711450"/>
+            <a:ext cx="2184400" cy="2184400"/>
+          </a:xfrm>
+          <a:prstGeom prst="ellipse">
+            <a:avLst/>
+          </a:prstGeom>
+          <a:noFill/>
+          <a:ln w="57150">
+            <a:solidFill>
+              <a:schemeClr val="accent2"/>
+            </a:solidFill>
+          </a:ln>
+        </p:spPr>
+        <p:style>
+          <a:lnRef idx="2">
+            <a:schemeClr val="accent1"/>
+          </a:lnRef>
+          <a:fillRef idx="1">
+            <a:schemeClr val="lt1"/>
+          </a:fillRef>
+          <a:effectRef idx="0">
+            <a:schemeClr val="accent1"/>
+          </a:effectRef>
+          <a:fontRef idx="minor">
+            <a:schemeClr val="dk1"/>
+          </a:fontRef>
+        </p:style>
+        <p:txBody>
+          <a:bodyPr rtlCol="0" anchor="ctr"/>
+          <a:lstStyle/>
+          <a:p>
+            <a:pPr algn="ctr"/>
+            <a:endParaRPr lang="en-US"/>
+          </a:p>
+        </p:txBody>
+      </p:sp>
+      <p:sp>
+        <p:nvSpPr>
+          <p:cNvPr id="10" name="TextBox 9">
+            <a:extLst>
+              <a:ext uri="{FF2B5EF4-FFF2-40B4-BE49-F238E27FC236}">
+                <a16:creationId xmlns:a16="http://schemas.microsoft.com/office/drawing/2014/main" id="{D46C22E2-3E63-43D3-E4A4-6BE90A80EAAF}"/>
+              </a:ext>
+            </a:extLst>
+          </p:cNvPr>
+          <p:cNvSpPr txBox="1"/>
+          <p:nvPr/>
+        </p:nvSpPr>
+        <p:spPr>
+          <a:xfrm>
+            <a:off x="3810000" y="5827752"/>
+            <a:ext cx="3517900" cy="400110"/>
+          </a:xfrm>
+          <a:prstGeom prst="rect">
+            <a:avLst/>
+          </a:prstGeom>
+          <a:noFill/>
+        </p:spPr>
+        <p:txBody>
+          <a:bodyPr wrap="square" rtlCol="0">
+            <a:spAutoFit/>
+          </a:bodyPr>
+          <a:lstStyle/>
+          <a:p>
+            <a:r>
+              <a:rPr lang="en-US" sz="2000" dirty="0">
+                <a:solidFill>
+                  <a:schemeClr val="accent2"/>
+                </a:solidFill>
+                <a:latin typeface="Cambria" panose="02040503050406030204" pitchFamily="18" charset="0"/>
+              </a:rPr>
+              <a:t>Meta-package</a:t>
+            </a:r>
+          </a:p>
+        </p:txBody>
+      </p:sp>
+      <p:sp>
+        <p:nvSpPr>
+          <p:cNvPr id="11" name="TextBox 10">
+            <a:extLst>
+              <a:ext uri="{FF2B5EF4-FFF2-40B4-BE49-F238E27FC236}">
+                <a16:creationId xmlns:a16="http://schemas.microsoft.com/office/drawing/2014/main" id="{01C59010-10C7-641B-FFE4-7669BDFAA83B}"/>
+              </a:ext>
+            </a:extLst>
+          </p:cNvPr>
+          <p:cNvSpPr txBox="1"/>
+          <p:nvPr/>
+        </p:nvSpPr>
+        <p:spPr>
+          <a:xfrm>
+            <a:off x="3149600" y="606335"/>
+            <a:ext cx="3517900" cy="400110"/>
+          </a:xfrm>
+          <a:prstGeom prst="rect">
+            <a:avLst/>
+          </a:prstGeom>
+          <a:noFill/>
+        </p:spPr>
+        <p:txBody>
+          <a:bodyPr wrap="square" rtlCol="0">
+            <a:spAutoFit/>
+          </a:bodyPr>
+          <a:lstStyle/>
+          <a:p>
+            <a:r>
+              <a:rPr lang="en-US" sz="2000" dirty="0">
+                <a:solidFill>
+                  <a:schemeClr val="accent2"/>
+                </a:solidFill>
+                <a:latin typeface="Cambria" panose="02040503050406030204" pitchFamily="18" charset="0"/>
+              </a:rPr>
+              <a:t>Data tidying</a:t>
+            </a:r>
+          </a:p>
+        </p:txBody>
+      </p:sp>
+      <p:sp>
+        <p:nvSpPr>
+          <p:cNvPr id="12" name="TextBox 11">
+            <a:extLst>
+              <a:ext uri="{FF2B5EF4-FFF2-40B4-BE49-F238E27FC236}">
+                <a16:creationId xmlns:a16="http://schemas.microsoft.com/office/drawing/2014/main" id="{27DE5D7D-9E8B-1288-A7D5-CC483F5BF8D0}"/>
+              </a:ext>
+            </a:extLst>
+          </p:cNvPr>
+          <p:cNvSpPr txBox="1"/>
+          <p:nvPr/>
+        </p:nvSpPr>
+        <p:spPr>
+          <a:xfrm>
+            <a:off x="7632700" y="5100587"/>
+            <a:ext cx="3517900" cy="400110"/>
+          </a:xfrm>
+          <a:prstGeom prst="rect">
+            <a:avLst/>
+          </a:prstGeom>
+          <a:noFill/>
+        </p:spPr>
+        <p:txBody>
+          <a:bodyPr wrap="square" rtlCol="0">
+            <a:spAutoFit/>
+          </a:bodyPr>
+          <a:lstStyle/>
+          <a:p>
+            <a:r>
+              <a:rPr lang="en-US" sz="2000" dirty="0">
+                <a:solidFill>
+                  <a:schemeClr val="accent2"/>
+                </a:solidFill>
+                <a:latin typeface="Cambria" panose="02040503050406030204" pitchFamily="18" charset="0"/>
+              </a:rPr>
+              <a:t>Data tidying</a:t>
+            </a:r>
+          </a:p>
+        </p:txBody>
+      </p:sp>
+    </p:spTree>
+    <p:extLst>
+      <p:ext uri="{BB962C8B-B14F-4D97-AF65-F5344CB8AC3E}">
+        <p14:creationId xmlns:p14="http://schemas.microsoft.com/office/powerpoint/2010/main" val="2594812823"/>
+      </p:ext>
+    </p:extLst>
+  </p:cSld>
+  <p:clrMapOvr>
+    <a:masterClrMapping/>
+  </p:clrMapOvr>
+</p:sld>
+</file>
+
+<file path=ppt/slides/slide4.xml><?xml version="1.0" encoding="utf-8"?>
+<p:sld xmlns:a="http://schemas.openxmlformats.org/drawingml/2006/main" xmlns:r="http://schemas.openxmlformats.org/officeDocument/2006/relationships" xmlns:p="http://schemas.openxmlformats.org/presentationml/2006/main">
+  <p:cSld>
+    <p:spTree>
+      <p:nvGrpSpPr>
+        <p:cNvPr id="1" name=""/>
+        <p:cNvGrpSpPr/>
+        <p:nvPr/>
+      </p:nvGrpSpPr>
+      <p:grpSpPr>
+        <a:xfrm>
+          <a:off x="0" y="0"/>
+          <a:ext cx="0" cy="0"/>
+          <a:chOff x="0" y="0"/>
+          <a:chExt cx="0" cy="0"/>
+        </a:xfrm>
+      </p:grpSpPr>
+      <p:sp>
+        <p:nvSpPr>
+          <p:cNvPr id="2" name="Title 1">
+            <a:extLst>
+              <a:ext uri="{FF2B5EF4-FFF2-40B4-BE49-F238E27FC236}">
+                <a16:creationId xmlns:a16="http://schemas.microsoft.com/office/drawing/2014/main" id="{D8AFB758-4C7E-912A-864B-E04A9196E8E2}"/>
+              </a:ext>
+            </a:extLst>
+          </p:cNvPr>
+          <p:cNvSpPr>
+            <a:spLocks noGrp="1"/>
+          </p:cNvSpPr>
+          <p:nvPr>
+            <p:ph type="title"/>
+          </p:nvPr>
+        </p:nvSpPr>
+        <p:spPr/>
+        <p:txBody>
+          <a:bodyPr/>
+          <a:lstStyle/>
+          <a:p>
+            <a:r>
+              <a:rPr lang="en-US" dirty="0"/>
+              <a:t>Why </a:t>
+            </a:r>
+            <a:r>
+              <a:rPr lang="en-US" dirty="0" err="1"/>
+              <a:t>tidyverse</a:t>
+            </a:r>
+            <a:r>
+              <a:rPr lang="en-US" dirty="0"/>
+              <a:t>?</a:t>
+            </a:r>
+          </a:p>
+        </p:txBody>
+      </p:sp>
+      <p:sp>
+        <p:nvSpPr>
+          <p:cNvPr id="3" name="Content Placeholder 2">
+            <a:extLst>
+              <a:ext uri="{FF2B5EF4-FFF2-40B4-BE49-F238E27FC236}">
+                <a16:creationId xmlns:a16="http://schemas.microsoft.com/office/drawing/2014/main" id="{EB66511D-F0B4-503B-3B31-A0A5F97E4D72}"/>
+              </a:ext>
+            </a:extLst>
+          </p:cNvPr>
+          <p:cNvSpPr>
+            <a:spLocks noGrp="1"/>
+          </p:cNvSpPr>
+          <p:nvPr>
+            <p:ph idx="1"/>
+          </p:nvPr>
+        </p:nvSpPr>
+        <p:spPr/>
+        <p:txBody>
+          <a:bodyPr/>
+          <a:lstStyle/>
+          <a:p>
+            <a:r>
+              <a:rPr lang="en-US" dirty="0"/>
+              <a:t>All packages in </a:t>
+            </a:r>
+            <a:r>
+              <a:rPr lang="en-US" dirty="0" err="1"/>
+              <a:t>tidyverse</a:t>
+            </a:r>
+            <a:r>
+              <a:rPr lang="en-US" dirty="0"/>
+              <a:t> follow tidy data principles (next slide)</a:t>
+            </a:r>
+          </a:p>
+          <a:p>
+            <a:r>
+              <a:rPr lang="en-US" dirty="0"/>
+              <a:t>The results from a base R function sometimes depend on the type of data.</a:t>
+            </a:r>
+          </a:p>
+          <a:p>
+            <a:pPr lvl="1"/>
+            <a:r>
+              <a:rPr lang="en-US" dirty="0" err="1"/>
+              <a:t>Dataframe</a:t>
+            </a:r>
+            <a:r>
+              <a:rPr lang="en-US" dirty="0"/>
+              <a:t> VS </a:t>
+            </a:r>
+            <a:r>
+              <a:rPr lang="en-US" dirty="0" err="1"/>
+              <a:t>tibble</a:t>
+            </a:r>
+            <a:endParaRPr lang="en-US" dirty="0"/>
+          </a:p>
+          <a:p>
+            <a:r>
+              <a:rPr lang="en-US" dirty="0"/>
+              <a:t>R expressions are used in non-standard way, which can be confusing for new learners</a:t>
+            </a:r>
+          </a:p>
+          <a:p>
+            <a:r>
+              <a:rPr lang="en-US" dirty="0"/>
+              <a:t>Default argument values are not natural to most people</a:t>
+            </a:r>
+          </a:p>
+          <a:p>
+            <a:pPr lvl="1"/>
+            <a:r>
+              <a:rPr lang="en-US" dirty="0" err="1"/>
+              <a:t>read.csv</a:t>
+            </a:r>
+            <a:r>
+              <a:rPr lang="en-US" dirty="0"/>
+              <a:t> VS </a:t>
+            </a:r>
+            <a:r>
+              <a:rPr lang="en-US" dirty="0" err="1"/>
+              <a:t>read_csv</a:t>
+            </a:r>
+            <a:endParaRPr lang="en-US" dirty="0"/>
+          </a:p>
+          <a:p>
+            <a:endParaRPr lang="en-US" dirty="0"/>
+          </a:p>
+        </p:txBody>
+      </p:sp>
+    </p:spTree>
+    <p:extLst>
+      <p:ext uri="{BB962C8B-B14F-4D97-AF65-F5344CB8AC3E}">
+        <p14:creationId xmlns:p14="http://schemas.microsoft.com/office/powerpoint/2010/main" val="1454934560"/>
+      </p:ext>
+    </p:extLst>
+  </p:cSld>
+  <p:clrMapOvr>
+    <a:masterClrMapping/>
+  </p:clrMapOvr>
+</p:sld>
+</file>
+
+<file path=ppt/slides/slide5.xml><?xml version="1.0" encoding="utf-8"?>
+<p:sld xmlns:a="http://schemas.openxmlformats.org/drawingml/2006/main" xmlns:r="http://schemas.openxmlformats.org/officeDocument/2006/relationships" xmlns:p="http://schemas.openxmlformats.org/presentationml/2006/main">
+  <p:cSld>
+    <p:spTree>
+      <p:nvGrpSpPr>
+        <p:cNvPr id="1" name=""/>
+        <p:cNvGrpSpPr/>
+        <p:nvPr/>
+      </p:nvGrpSpPr>
+      <p:grpSpPr>
+        <a:xfrm>
+          <a:off x="0" y="0"/>
+          <a:ext cx="0" cy="0"/>
+          <a:chOff x="0" y="0"/>
+          <a:chExt cx="0" cy="0"/>
+        </a:xfrm>
+      </p:grpSpPr>
+      <p:sp>
+        <p:nvSpPr>
+          <p:cNvPr id="2" name="Content Placeholder 1">
+            <a:extLst>
+              <a:ext uri="{FF2B5EF4-FFF2-40B4-BE49-F238E27FC236}">
+                <a16:creationId xmlns:a16="http://schemas.microsoft.com/office/drawing/2014/main" id="{361D33A6-EE80-366C-F837-D25DA08AF0C1}"/>
+              </a:ext>
+            </a:extLst>
+          </p:cNvPr>
+          <p:cNvSpPr>
+            <a:spLocks noGrp="1"/>
+          </p:cNvSpPr>
+          <p:nvPr>
+            <p:ph sz="half" idx="1"/>
+          </p:nvPr>
+        </p:nvSpPr>
+        <p:spPr/>
+        <p:txBody>
+          <a:bodyPr/>
+          <a:lstStyle/>
+          <a:p>
+            <a:pPr marL="0" indent="0">
+              <a:buNone/>
+            </a:pPr>
+            <a:r>
+              <a:rPr lang="en-US" dirty="0"/>
+              <a:t>Principles</a:t>
+            </a:r>
+          </a:p>
+          <a:p>
+            <a:pPr marL="914400" lvl="1" indent="-457200">
+              <a:buFont typeface="+mj-lt"/>
+              <a:buAutoNum type="arabicPeriod"/>
+            </a:pPr>
+            <a:r>
+              <a:rPr lang="en-US" dirty="0"/>
+              <a:t>Each variable has its own column</a:t>
+            </a:r>
+          </a:p>
+          <a:p>
+            <a:pPr marL="914400" lvl="1" indent="-457200">
+              <a:buFont typeface="+mj-lt"/>
+              <a:buAutoNum type="arabicPeriod"/>
+            </a:pPr>
+            <a:r>
+              <a:rPr lang="en-US" dirty="0"/>
+              <a:t>Each observation has its own row</a:t>
+            </a:r>
+          </a:p>
+          <a:p>
+            <a:pPr marL="914400" lvl="1" indent="-457200">
+              <a:buFont typeface="+mj-lt"/>
+              <a:buAutoNum type="arabicPeriod"/>
+            </a:pPr>
+            <a:r>
+              <a:rPr lang="en-US" dirty="0"/>
+              <a:t>Each value must have its own cell</a:t>
+            </a:r>
+          </a:p>
+          <a:p>
+            <a:pPr marL="914400" lvl="1" indent="-457200">
+              <a:buFont typeface="+mj-lt"/>
+              <a:buAutoNum type="arabicPeriod"/>
+            </a:pPr>
+            <a:r>
+              <a:rPr lang="en-US" dirty="0"/>
+              <a:t>Each type of observational unit forms a table</a:t>
+            </a:r>
+          </a:p>
+          <a:p>
+            <a:endParaRPr lang="en-US" dirty="0"/>
+          </a:p>
+        </p:txBody>
+      </p:sp>
+      <p:sp>
+        <p:nvSpPr>
+          <p:cNvPr id="4" name="Title 3">
+            <a:extLst>
+              <a:ext uri="{FF2B5EF4-FFF2-40B4-BE49-F238E27FC236}">
+                <a16:creationId xmlns:a16="http://schemas.microsoft.com/office/drawing/2014/main" id="{21601CE9-2BE9-E300-9698-02AF52901163}"/>
+              </a:ext>
+            </a:extLst>
+          </p:cNvPr>
+          <p:cNvSpPr>
+            <a:spLocks noGrp="1"/>
+          </p:cNvSpPr>
+          <p:nvPr>
+            <p:ph type="title"/>
+          </p:nvPr>
+        </p:nvSpPr>
+        <p:spPr/>
+        <p:txBody>
+          <a:bodyPr/>
+          <a:lstStyle/>
+          <a:p>
+            <a:r>
+              <a:rPr lang="en-US" dirty="0"/>
+              <a:t>Tidy data</a:t>
+            </a:r>
+          </a:p>
+        </p:txBody>
+      </p:sp>
+      <p:pic>
+        <p:nvPicPr>
+          <p:cNvPr id="10" name="Content Placeholder 9">
+            <a:extLst>
+              <a:ext uri="{FF2B5EF4-FFF2-40B4-BE49-F238E27FC236}">
+                <a16:creationId xmlns:a16="http://schemas.microsoft.com/office/drawing/2014/main" id="{DA9BDA0F-7CF6-C139-02BC-6BB86BC29716}"/>
+              </a:ext>
+            </a:extLst>
+          </p:cNvPr>
+          <p:cNvPicPr>
+            <a:picLocks noGrp="1" noChangeAspect="1"/>
+          </p:cNvPicPr>
+          <p:nvPr>
+            <p:ph sz="half" idx="2"/>
+          </p:nvPr>
+        </p:nvPicPr>
+        <p:blipFill>
+          <a:blip r:embed="rId2"/>
+          <a:stretch>
+            <a:fillRect/>
+          </a:stretch>
+        </p:blipFill>
+        <p:spPr>
+          <a:xfrm>
+            <a:off x="6172200" y="1825625"/>
+            <a:ext cx="5181600" cy="2739317"/>
+          </a:xfrm>
+        </p:spPr>
+      </p:pic>
+    </p:spTree>
+    <p:extLst>
+      <p:ext uri="{BB962C8B-B14F-4D97-AF65-F5344CB8AC3E}">
+        <p14:creationId xmlns:p14="http://schemas.microsoft.com/office/powerpoint/2010/main" val="813237333"/>
+      </p:ext>
+    </p:extLst>
+  </p:cSld>
+  <p:clrMapOvr>
+    <a:masterClrMapping/>
+  </p:clrMapOvr>
+</p:sld>
+</file>
+
+<file path=ppt/slides/slide6.xml><?xml version="1.0" encoding="utf-8"?>
+<p:sld xmlns:a="http://schemas.openxmlformats.org/drawingml/2006/main" xmlns:r="http://schemas.openxmlformats.org/officeDocument/2006/relationships" xmlns:p="http://schemas.openxmlformats.org/presentationml/2006/main">
+  <p:cSld>
+    <p:spTree>
+      <p:nvGrpSpPr>
+        <p:cNvPr id="1" name=""/>
+        <p:cNvGrpSpPr/>
+        <p:nvPr/>
+      </p:nvGrpSpPr>
+      <p:grpSpPr>
+        <a:xfrm>
+          <a:off x="0" y="0"/>
+          <a:ext cx="0" cy="0"/>
+          <a:chOff x="0" y="0"/>
+          <a:chExt cx="0" cy="0"/>
+        </a:xfrm>
+      </p:grpSpPr>
+      <p:pic>
+        <p:nvPicPr>
+          <p:cNvPr id="7" name="Content Placeholder 6" descr="Table&#10;&#10;Description automatically generated">
+            <a:extLst>
+              <a:ext uri="{FF2B5EF4-FFF2-40B4-BE49-F238E27FC236}">
+                <a16:creationId xmlns:a16="http://schemas.microsoft.com/office/drawing/2014/main" id="{D4DB4499-B726-2D96-90EA-82A802139D1A}"/>
+              </a:ext>
+            </a:extLst>
+          </p:cNvPr>
+          <p:cNvPicPr>
+            <a:picLocks noGrp="1" noChangeAspect="1"/>
+          </p:cNvPicPr>
+          <p:nvPr>
+            <p:ph sz="half" idx="1"/>
+          </p:nvPr>
+        </p:nvPicPr>
+        <p:blipFill>
+          <a:blip r:embed="rId2"/>
+          <a:stretch>
+            <a:fillRect/>
+          </a:stretch>
+        </p:blipFill>
+        <p:spPr>
+          <a:xfrm>
+            <a:off x="895350" y="1931204"/>
+            <a:ext cx="4712970" cy="3000237"/>
+          </a:xfrm>
+        </p:spPr>
+      </p:pic>
+      <p:sp>
+        <p:nvSpPr>
+          <p:cNvPr id="4" name="Title 3">
+            <a:extLst>
+              <a:ext uri="{FF2B5EF4-FFF2-40B4-BE49-F238E27FC236}">
+                <a16:creationId xmlns:a16="http://schemas.microsoft.com/office/drawing/2014/main" id="{C9EAD21F-138E-2667-677E-1ADC7240C381}"/>
+              </a:ext>
+            </a:extLst>
+          </p:cNvPr>
+          <p:cNvSpPr>
+            <a:spLocks noGrp="1"/>
+          </p:cNvSpPr>
+          <p:nvPr>
+            <p:ph type="title"/>
+          </p:nvPr>
+        </p:nvSpPr>
+        <p:spPr/>
+        <p:txBody>
+          <a:bodyPr/>
+          <a:lstStyle/>
+          <a:p>
+            <a:r>
+              <a:rPr lang="en-US" dirty="0"/>
+              <a:t>Untidy data</a:t>
+            </a:r>
+          </a:p>
+        </p:txBody>
+      </p:sp>
+      <p:pic>
+        <p:nvPicPr>
+          <p:cNvPr id="5" name="Content Placeholder 9">
+            <a:extLst>
+              <a:ext uri="{FF2B5EF4-FFF2-40B4-BE49-F238E27FC236}">
+                <a16:creationId xmlns:a16="http://schemas.microsoft.com/office/drawing/2014/main" id="{FEE748B4-6838-0D18-AB0A-6F47E8741F23}"/>
+              </a:ext>
+            </a:extLst>
+          </p:cNvPr>
+          <p:cNvPicPr>
+            <a:picLocks noGrp="1" noChangeAspect="1"/>
+          </p:cNvPicPr>
+          <p:nvPr>
+            <p:ph sz="half" idx="2"/>
+          </p:nvPr>
+        </p:nvPicPr>
+        <p:blipFill>
+          <a:blip r:embed="rId3"/>
+          <a:stretch>
+            <a:fillRect/>
+          </a:stretch>
+        </p:blipFill>
+        <p:spPr>
+          <a:xfrm>
+            <a:off x="6172202" y="1948883"/>
+            <a:ext cx="5181600" cy="2739317"/>
+          </a:xfrm>
+        </p:spPr>
+      </p:pic>
+    </p:spTree>
+    <p:extLst>
+      <p:ext uri="{BB962C8B-B14F-4D97-AF65-F5344CB8AC3E}">
+        <p14:creationId xmlns:p14="http://schemas.microsoft.com/office/powerpoint/2010/main" val="1785841068"/>
+      </p:ext>
+    </p:extLst>
+  </p:cSld>
+  <p:clrMapOvr>
+    <a:masterClrMapping/>
+  </p:clrMapOvr>
+</p:sld>
+</file>
+
+<file path=ppt/slides/slide7.xml><?xml version="1.0" encoding="utf-8"?>
+<p:sld xmlns:a="http://schemas.openxmlformats.org/drawingml/2006/main" xmlns:r="http://schemas.openxmlformats.org/officeDocument/2006/relationships" xmlns:p="http://schemas.openxmlformats.org/presentationml/2006/main">
+  <p:cSld>
+    <p:spTree>
+      <p:nvGrpSpPr>
+        <p:cNvPr id="1" name=""/>
+        <p:cNvGrpSpPr/>
+        <p:nvPr/>
+      </p:nvGrpSpPr>
+      <p:grpSpPr>
+        <a:xfrm>
+          <a:off x="0" y="0"/>
+          <a:ext cx="0" cy="0"/>
+          <a:chOff x="0" y="0"/>
+          <a:chExt cx="0" cy="0"/>
+        </a:xfrm>
+      </p:grpSpPr>
+      <p:sp>
+        <p:nvSpPr>
+          <p:cNvPr id="4" name="Title 3">
+            <a:extLst>
+              <a:ext uri="{FF2B5EF4-FFF2-40B4-BE49-F238E27FC236}">
+                <a16:creationId xmlns:a16="http://schemas.microsoft.com/office/drawing/2014/main" id="{C9EAD21F-138E-2667-677E-1ADC7240C381}"/>
+              </a:ext>
+            </a:extLst>
+          </p:cNvPr>
+          <p:cNvSpPr>
+            <a:spLocks noGrp="1"/>
+          </p:cNvSpPr>
+          <p:nvPr>
+            <p:ph type="title"/>
+          </p:nvPr>
+        </p:nvSpPr>
+        <p:spPr/>
+        <p:txBody>
+          <a:bodyPr/>
+          <a:lstStyle/>
+          <a:p>
+            <a:r>
+              <a:rPr lang="en-US" dirty="0"/>
+              <a:t>Untidy data</a:t>
+            </a:r>
+          </a:p>
+        </p:txBody>
+      </p:sp>
+      <p:pic>
+        <p:nvPicPr>
+          <p:cNvPr id="5" name="Content Placeholder 9">
+            <a:extLst>
+              <a:ext uri="{FF2B5EF4-FFF2-40B4-BE49-F238E27FC236}">
+                <a16:creationId xmlns:a16="http://schemas.microsoft.com/office/drawing/2014/main" id="{FEE748B4-6838-0D18-AB0A-6F47E8741F23}"/>
+              </a:ext>
+            </a:extLst>
+          </p:cNvPr>
+          <p:cNvPicPr>
+            <a:picLocks noGrp="1" noChangeAspect="1"/>
+          </p:cNvPicPr>
+          <p:nvPr>
+            <p:ph sz="half" idx="2"/>
+          </p:nvPr>
+        </p:nvPicPr>
+        <p:blipFill>
+          <a:blip r:embed="rId2"/>
+          <a:stretch>
+            <a:fillRect/>
+          </a:stretch>
+        </p:blipFill>
+        <p:spPr>
+          <a:xfrm>
+            <a:off x="6574538" y="1875731"/>
+            <a:ext cx="5181600" cy="2739317"/>
+          </a:xfrm>
+        </p:spPr>
+      </p:pic>
+      <p:pic>
+        <p:nvPicPr>
+          <p:cNvPr id="8" name="Content Placeholder 7" descr="A picture containing text, electronics&#10;&#10;Description automatically generated">
+            <a:extLst>
+              <a:ext uri="{FF2B5EF4-FFF2-40B4-BE49-F238E27FC236}">
+                <a16:creationId xmlns:a16="http://schemas.microsoft.com/office/drawing/2014/main" id="{31B298CF-3000-B645-1927-141806218DA8}"/>
+              </a:ext>
+            </a:extLst>
+          </p:cNvPr>
+          <p:cNvPicPr>
+            <a:picLocks noGrp="1" noChangeAspect="1"/>
+          </p:cNvPicPr>
+          <p:nvPr>
+            <p:ph sz="half" idx="1"/>
+          </p:nvPr>
+        </p:nvPicPr>
+        <p:blipFill>
+          <a:blip r:embed="rId3"/>
+          <a:stretch>
+            <a:fillRect/>
+          </a:stretch>
+        </p:blipFill>
+        <p:spPr>
+          <a:xfrm>
+            <a:off x="545182" y="1875732"/>
+            <a:ext cx="5730650" cy="2739316"/>
+          </a:xfrm>
+        </p:spPr>
+      </p:pic>
+    </p:spTree>
+    <p:extLst>
+      <p:ext uri="{BB962C8B-B14F-4D97-AF65-F5344CB8AC3E}">
+        <p14:creationId xmlns:p14="http://schemas.microsoft.com/office/powerpoint/2010/main" val="3565271706"/>
+      </p:ext>
+    </p:extLst>
+  </p:cSld>
+  <p:clrMapOvr>
+    <a:masterClrMapping/>
+  </p:clrMapOvr>
+</p:sld>
+</file>
+
+<file path=ppt/slides/slide8.xml><?xml version="1.0" encoding="utf-8"?>
+<p:sld xmlns:a="http://schemas.openxmlformats.org/drawingml/2006/main" xmlns:r="http://schemas.openxmlformats.org/officeDocument/2006/relationships" xmlns:p="http://schemas.openxmlformats.org/presentationml/2006/main">
+  <p:cSld>
+    <p:spTree>
+      <p:nvGrpSpPr>
+        <p:cNvPr id="1" name=""/>
+        <p:cNvGrpSpPr/>
+        <p:nvPr/>
+      </p:nvGrpSpPr>
+      <p:grpSpPr>
+        <a:xfrm>
+          <a:off x="0" y="0"/>
+          <a:ext cx="0" cy="0"/>
+          <a:chOff x="0" y="0"/>
+          <a:chExt cx="0" cy="0"/>
+        </a:xfrm>
+      </p:grpSpPr>
+      <p:sp>
+        <p:nvSpPr>
+          <p:cNvPr id="2" name="Title 1">
+            <a:extLst>
+              <a:ext uri="{FF2B5EF4-FFF2-40B4-BE49-F238E27FC236}">
+                <a16:creationId xmlns:a16="http://schemas.microsoft.com/office/drawing/2014/main" id="{0932E52F-61A3-2999-9449-0362ACA1E434}"/>
+              </a:ext>
+            </a:extLst>
+          </p:cNvPr>
+          <p:cNvSpPr>
+            <a:spLocks noGrp="1"/>
+          </p:cNvSpPr>
+          <p:nvPr>
+            <p:ph type="title"/>
+          </p:nvPr>
+        </p:nvSpPr>
+        <p:spPr/>
+        <p:txBody>
+          <a:bodyPr/>
+          <a:lstStyle/>
+          <a:p>
+            <a:r>
+              <a:rPr lang="en-US" dirty="0" err="1">
+                <a:latin typeface="Fira Code Retina" pitchFamily="49" charset="0"/>
+                <a:ea typeface="Fira Code Retina" pitchFamily="49" charset="0"/>
+                <a:cs typeface="Fira Code Retina" pitchFamily="49" charset="0"/>
+              </a:rPr>
+              <a:t>dplyr</a:t>
+            </a:r>
+            <a:endParaRPr lang="en-US" dirty="0">
+              <a:latin typeface="Fira Code Retina" pitchFamily="49" charset="0"/>
+              <a:ea typeface="Fira Code Retina" pitchFamily="49" charset="0"/>
+              <a:cs typeface="Fira Code Retina" pitchFamily="49" charset="0"/>
+            </a:endParaRPr>
+          </a:p>
+        </p:txBody>
+      </p:sp>
+      <p:sp>
+        <p:nvSpPr>
+          <p:cNvPr id="3" name="Text Placeholder 2">
+            <a:extLst>
+              <a:ext uri="{FF2B5EF4-FFF2-40B4-BE49-F238E27FC236}">
+                <a16:creationId xmlns:a16="http://schemas.microsoft.com/office/drawing/2014/main" id="{8EC598F2-B520-0751-CCCA-A454A6B624E1}"/>
+              </a:ext>
+            </a:extLst>
+          </p:cNvPr>
+          <p:cNvSpPr>
+            <a:spLocks noGrp="1"/>
+          </p:cNvSpPr>
+          <p:nvPr>
+            <p:ph type="body" idx="1"/>
+          </p:nvPr>
+        </p:nvSpPr>
+        <p:spPr/>
+        <p:txBody>
+          <a:bodyPr/>
+          <a:lstStyle/>
+          <a:p>
+            <a:endParaRPr lang="en-US"/>
+          </a:p>
+        </p:txBody>
+      </p:sp>
+    </p:spTree>
+    <p:extLst>
+      <p:ext uri="{BB962C8B-B14F-4D97-AF65-F5344CB8AC3E}">
+        <p14:creationId xmlns:p14="http://schemas.microsoft.com/office/powerpoint/2010/main" val="1301539583"/>
+      </p:ext>
+    </p:extLst>
+  </p:cSld>
+  <p:clrMapOvr>
+    <a:masterClrMapping/>
+  </p:clrMapOvr>
+</p:sld>
+</file>
+
+<file path=ppt/slides/slide9.xml><?xml version="1.0" encoding="utf-8"?>
+<p:sld xmlns:a="http://schemas.openxmlformats.org/drawingml/2006/main" xmlns:r="http://schemas.openxmlformats.org/officeDocument/2006/relationships" xmlns:p="http://schemas.openxmlformats.org/presentationml/2006/main">
+  <p:cSld>
+    <p:spTree>
+      <p:nvGrpSpPr>
+        <p:cNvPr id="1" name=""/>
+        <p:cNvGrpSpPr/>
+        <p:nvPr/>
+      </p:nvGrpSpPr>
+      <p:grpSpPr>
+        <a:xfrm>
+          <a:off x="0" y="0"/>
+          <a:ext cx="0" cy="0"/>
+          <a:chOff x="0" y="0"/>
+          <a:chExt cx="0" cy="0"/>
+        </a:xfrm>
+      </p:grpSpPr>
+      <p:sp>
+        <p:nvSpPr>
+          <p:cNvPr id="2" name="Title 1">
+            <a:extLst>
+              <a:ext uri="{FF2B5EF4-FFF2-40B4-BE49-F238E27FC236}">
+                <a16:creationId xmlns:a16="http://schemas.microsoft.com/office/drawing/2014/main" id="{D569B738-82FC-7444-7108-5D6325D1C7AD}"/>
+              </a:ext>
+            </a:extLst>
+          </p:cNvPr>
+          <p:cNvSpPr>
+            <a:spLocks noGrp="1"/>
+          </p:cNvSpPr>
+          <p:nvPr>
+            <p:ph type="title"/>
+          </p:nvPr>
+        </p:nvSpPr>
+        <p:spPr/>
+        <p:txBody>
+          <a:bodyPr/>
+          <a:lstStyle/>
+          <a:p>
+            <a:r>
+              <a:rPr lang="en-US" dirty="0" err="1">
+                <a:latin typeface="Fira Code Retina" pitchFamily="49" charset="0"/>
+                <a:ea typeface="Fira Code Retina" pitchFamily="49" charset="0"/>
+                <a:cs typeface="Fira Code Retina" pitchFamily="49" charset="0"/>
+              </a:rPr>
+              <a:t>dplyr</a:t>
+            </a:r>
+            <a:r>
+              <a:rPr lang="en-US" dirty="0"/>
+              <a:t> functions</a:t>
+            </a:r>
+          </a:p>
+        </p:txBody>
+      </p:sp>
+      <p:graphicFrame>
+        <p:nvGraphicFramePr>
+          <p:cNvPr id="5" name="Table 5">
+            <a:extLst>
+              <a:ext uri="{FF2B5EF4-FFF2-40B4-BE49-F238E27FC236}">
+                <a16:creationId xmlns:a16="http://schemas.microsoft.com/office/drawing/2014/main" id="{1F3EB861-B0A2-607F-8A98-3472FCC9E97E}"/>
+              </a:ext>
+            </a:extLst>
+          </p:cNvPr>
+          <p:cNvGraphicFramePr>
+            <a:graphicFrameLocks noGrp="1"/>
+          </p:cNvGraphicFramePr>
+          <p:nvPr>
+            <p:ph idx="1"/>
+            <p:extLst>
+              <p:ext uri="{D42A27DB-BD31-4B8C-83A1-F6EECF244321}">
+                <p14:modId xmlns:p14="http://schemas.microsoft.com/office/powerpoint/2010/main" val="836185575"/>
+              </p:ext>
+            </p:extLst>
+          </p:nvPr>
+        </p:nvGraphicFramePr>
+        <p:xfrm>
+          <a:off x="958421" y="2520779"/>
+          <a:ext cx="10275158" cy="2773680"/>
+        </p:xfrm>
+        <a:graphic>
+          <a:graphicData uri="http://schemas.openxmlformats.org/drawingml/2006/table">
+            <a:tbl>
+              <a:tblPr firstRow="1" bandRow="1">
+                <a:tableStyleId>{912C8C85-51F0-491E-9774-3900AFEF0FD7}</a:tableStyleId>
+              </a:tblPr>
+              <a:tblGrid>
+                <a:gridCol w="3507738">
+                  <a:extLst>
+                    <a:ext uri="{9D8B030D-6E8A-4147-A177-3AD203B41FA5}">
+                      <a16:colId xmlns:a16="http://schemas.microsoft.com/office/drawing/2014/main" val="3243834312"/>
+                    </a:ext>
+                  </a:extLst>
+                </a:gridCol>
+                <a:gridCol w="6767420">
+                  <a:extLst>
+                    <a:ext uri="{9D8B030D-6E8A-4147-A177-3AD203B41FA5}">
+                      <a16:colId xmlns:a16="http://schemas.microsoft.com/office/drawing/2014/main" val="3286746402"/>
+                    </a:ext>
+                  </a:extLst>
+                </a:gridCol>
+              </a:tblGrid>
+              <a:tr h="318238">
+                <a:tc>
+                  <a:txBody>
+                    <a:bodyPr/>
+                    <a:lstStyle/>
+                    <a:p>
+                      <a:pPr algn="ctr"/>
+                      <a:r>
+                        <a:rPr lang="en-US" sz="2000" dirty="0">
+                          <a:latin typeface="Cambria" panose="02040503050406030204" pitchFamily="18" charset="0"/>
+                        </a:rPr>
+                        <a:t>Function</a:t>
+                      </a:r>
+                    </a:p>
+                  </a:txBody>
+                  <a:tcPr>
+                    <a:lnL w="12700" cap="flat" cmpd="sng" algn="ctr">
+                      <a:noFill/>
+                      <a:prstDash val="solid"/>
+                      <a:round/>
+                      <a:headEnd type="none" w="med" len="med"/>
+                      <a:tailEnd type="none" w="med" len="med"/>
+                    </a:lnL>
+                    <a:lnT w="12700" cap="flat" cmpd="sng" algn="ctr">
+                      <a:solidFill>
+                        <a:srgbClr val="879238"/>
+                      </a:solidFill>
+                      <a:prstDash val="solid"/>
+                      <a:round/>
+                      <a:headEnd type="none" w="med" len="med"/>
+                      <a:tailEnd type="none" w="med" len="med"/>
+                    </a:lnT>
+                    <a:solidFill>
+                      <a:srgbClr val="879238"/>
+                    </a:solidFill>
+                  </a:tcPr>
+                </a:tc>
+                <a:tc>
+                  <a:txBody>
+                    <a:bodyPr/>
+                    <a:lstStyle/>
+                    <a:p>
+                      <a:pPr algn="ctr"/>
+                      <a:r>
+                        <a:rPr lang="en-US" sz="2000" dirty="0">
+                          <a:latin typeface="Cambria" panose="02040503050406030204" pitchFamily="18" charset="0"/>
+                        </a:rPr>
+                        <a:t>Description</a:t>
+                      </a:r>
+                    </a:p>
+                  </a:txBody>
+                  <a:tcPr>
+                    <a:lnR w="12700" cap="flat" cmpd="sng" algn="ctr">
+                      <a:noFill/>
+                      <a:prstDash val="solid"/>
+                      <a:round/>
+                      <a:headEnd type="none" w="med" len="med"/>
+                      <a:tailEnd type="none" w="med" len="med"/>
+                    </a:lnR>
+                    <a:lnT w="12700" cap="flat" cmpd="sng" algn="ctr">
+                      <a:solidFill>
+                        <a:srgbClr val="879238"/>
+                      </a:solidFill>
+                      <a:prstDash val="solid"/>
+                      <a:round/>
+                      <a:headEnd type="none" w="med" len="med"/>
+                      <a:tailEnd type="none" w="med" len="med"/>
+                    </a:lnT>
+                    <a:solidFill>
+                      <a:srgbClr val="879238"/>
+                    </a:solidFill>
+                  </a:tcPr>
+                </a:tc>
+                <a:extLst>
+                  <a:ext uri="{0D108BD9-81ED-4DB2-BD59-A6C34878D82A}">
+                    <a16:rowId xmlns:a16="http://schemas.microsoft.com/office/drawing/2014/main" val="1532929937"/>
+                  </a:ext>
+                </a:extLst>
+              </a:tr>
+              <a:tr h="370840">
+                <a:tc>
+                  <a:txBody>
+                    <a:bodyPr/>
+                    <a:lstStyle/>
+                    <a:p>
+                      <a:r>
+                        <a:rPr lang="en-SG" sz="1800" b="0" i="0" kern="1200" dirty="0">
+                          <a:solidFill>
+                            <a:schemeClr val="accent1"/>
+                          </a:solidFill>
+                          <a:effectLst/>
+                          <a:latin typeface="Fira Code Retina" pitchFamily="49" charset="0"/>
+                          <a:ea typeface="Fira Code Retina" pitchFamily="49" charset="0"/>
+                          <a:cs typeface="Fira Code Retina" pitchFamily="49" charset="0"/>
+                        </a:rPr>
+                        <a:t>select()</a:t>
+                      </a:r>
+                      <a:endParaRPr lang="en-US" sz="1800" dirty="0">
+                        <a:solidFill>
+                          <a:schemeClr val="accent1"/>
+                        </a:solidFill>
+                        <a:latin typeface="Fira Code Retina" pitchFamily="49" charset="0"/>
+                        <a:ea typeface="Fira Code Retina" pitchFamily="49" charset="0"/>
+                        <a:cs typeface="Fira Code Retina" pitchFamily="49" charset="0"/>
+                      </a:endParaRPr>
+                    </a:p>
+                  </a:txBody>
+                  <a:tcPr>
+                    <a:lnL w="12700" cap="flat" cmpd="sng" algn="ctr">
+                      <a:noFill/>
+                      <a:prstDash val="solid"/>
+                      <a:round/>
+                      <a:headEnd type="none" w="med" len="med"/>
+                      <a:tailEnd type="none" w="med" len="med"/>
+                    </a:lnL>
+                    <a:lnR w="12700" cap="flat" cmpd="sng" algn="ctr">
+                      <a:solidFill>
+                        <a:srgbClr val="879238"/>
+                      </a:solidFill>
+                      <a:prstDash val="solid"/>
+                      <a:round/>
+                      <a:headEnd type="none" w="med" len="med"/>
+                      <a:tailEnd type="none" w="med" len="med"/>
+                    </a:lnR>
+                  </a:tcPr>
+                </a:tc>
+                <a:tc>
+                  <a:txBody>
+                    <a:bodyPr/>
+                    <a:lstStyle/>
+                    <a:p>
+                      <a:r>
+                        <a:rPr lang="en-SG" sz="2000" b="0" i="0" kern="1200" dirty="0">
+                          <a:solidFill>
+                            <a:schemeClr val="tx1"/>
+                          </a:solidFill>
+                          <a:effectLst/>
+                          <a:latin typeface="+mn-lt"/>
+                          <a:ea typeface="+mn-ea"/>
+                          <a:cs typeface="+mn-cs"/>
+                        </a:rPr>
+                        <a:t>Subset columns</a:t>
+                      </a:r>
+                    </a:p>
+                  </a:txBody>
+                  <a:tcPr>
+                    <a:lnL w="12700" cap="flat" cmpd="sng" algn="ctr">
+                      <a:solidFill>
+                        <a:srgbClr val="879238"/>
+                      </a:solidFill>
+                      <a:prstDash val="solid"/>
+                      <a:round/>
+                      <a:headEnd type="none" w="med" len="med"/>
+                      <a:tailEnd type="none" w="med" len="med"/>
+                    </a:lnL>
+                    <a:lnR w="12700" cap="flat" cmpd="sng" algn="ctr">
+                      <a:noFill/>
+                      <a:prstDash val="solid"/>
+                      <a:round/>
+                      <a:headEnd type="none" w="med" len="med"/>
+                      <a:tailEnd type="none" w="med" len="med"/>
+                    </a:lnR>
+                  </a:tcPr>
+                </a:tc>
+                <a:extLst>
+                  <a:ext uri="{0D108BD9-81ED-4DB2-BD59-A6C34878D82A}">
+                    <a16:rowId xmlns:a16="http://schemas.microsoft.com/office/drawing/2014/main" val="2749971842"/>
+                  </a:ext>
+                </a:extLst>
+              </a:tr>
+              <a:tr h="370840">
+                <a:tc>
+                  <a:txBody>
+                    <a:bodyPr/>
+                    <a:lstStyle/>
+                    <a:p>
+                      <a:r>
+                        <a:rPr lang="en-SG" sz="1800" b="0" i="0" kern="1200" dirty="0">
+                          <a:solidFill>
+                            <a:schemeClr val="accent1"/>
+                          </a:solidFill>
+                          <a:effectLst/>
+                          <a:latin typeface="Fira Code Retina" pitchFamily="49" charset="0"/>
+                          <a:ea typeface="Fira Code Retina" pitchFamily="49" charset="0"/>
+                          <a:cs typeface="Fira Code Retina" pitchFamily="49" charset="0"/>
+                        </a:rPr>
+                        <a:t>filter()</a:t>
+                      </a:r>
+                      <a:endParaRPr lang="en-US" sz="1800" dirty="0">
+                        <a:solidFill>
+                          <a:schemeClr val="accent1"/>
+                        </a:solidFill>
+                        <a:latin typeface="Fira Code Retina" pitchFamily="49" charset="0"/>
+                        <a:ea typeface="Fira Code Retina" pitchFamily="49" charset="0"/>
+                        <a:cs typeface="Fira Code Retina" pitchFamily="49" charset="0"/>
+                      </a:endParaRPr>
+                    </a:p>
+                  </a:txBody>
+                  <a:tcPr>
+                    <a:lnL w="12700" cap="flat" cmpd="sng" algn="ctr">
+                      <a:noFill/>
+                      <a:prstDash val="solid"/>
+                      <a:round/>
+                      <a:headEnd type="none" w="med" len="med"/>
+                      <a:tailEnd type="none" w="med" len="med"/>
+                    </a:lnL>
+                    <a:lnR w="12700" cap="flat" cmpd="sng" algn="ctr">
+                      <a:solidFill>
+                        <a:srgbClr val="879238"/>
+                      </a:solidFill>
+                      <a:prstDash val="solid"/>
+                      <a:round/>
+                      <a:headEnd type="none" w="med" len="med"/>
+                      <a:tailEnd type="none" w="med" len="med"/>
+                    </a:lnR>
+                  </a:tcPr>
+                </a:tc>
+                <a:tc>
+                  <a:txBody>
+                    <a:bodyPr/>
+                    <a:lstStyle/>
+                    <a:p>
+                      <a:r>
+                        <a:rPr lang="en-SG" sz="2000" b="0" i="0" kern="1200" dirty="0">
+                          <a:solidFill>
+                            <a:schemeClr val="tx1"/>
+                          </a:solidFill>
+                          <a:effectLst/>
+                          <a:latin typeface="+mn-lt"/>
+                          <a:ea typeface="+mn-ea"/>
+                          <a:cs typeface="+mn-cs"/>
+                        </a:rPr>
+                        <a:t>Subset rows on conditions</a:t>
+                      </a:r>
+                    </a:p>
+                  </a:txBody>
+                  <a:tcPr>
+                    <a:lnL w="12700" cap="flat" cmpd="sng" algn="ctr">
+                      <a:solidFill>
+                        <a:srgbClr val="879238"/>
+                      </a:solidFill>
+                      <a:prstDash val="solid"/>
+                      <a:round/>
+                      <a:headEnd type="none" w="med" len="med"/>
+                      <a:tailEnd type="none" w="med" len="med"/>
+                    </a:lnL>
+                    <a:lnR w="12700" cap="flat" cmpd="sng" algn="ctr">
+                      <a:noFill/>
+                      <a:prstDash val="solid"/>
+                      <a:round/>
+                      <a:headEnd type="none" w="med" len="med"/>
+                      <a:tailEnd type="none" w="med" len="med"/>
+                    </a:lnR>
+                  </a:tcPr>
+                </a:tc>
+                <a:extLst>
+                  <a:ext uri="{0D108BD9-81ED-4DB2-BD59-A6C34878D82A}">
+                    <a16:rowId xmlns:a16="http://schemas.microsoft.com/office/drawing/2014/main" val="1451280957"/>
+                  </a:ext>
+                </a:extLst>
+              </a:tr>
+              <a:tr h="370840">
+                <a:tc>
+                  <a:txBody>
+                    <a:bodyPr/>
+                    <a:lstStyle/>
+                    <a:p>
+                      <a:r>
+                        <a:rPr lang="en-SG" sz="1800" b="0" i="0" kern="1200" dirty="0">
+                          <a:solidFill>
+                            <a:schemeClr val="accent1"/>
+                          </a:solidFill>
+                          <a:effectLst/>
+                          <a:latin typeface="Fira Code Retina" pitchFamily="49" charset="0"/>
+                          <a:ea typeface="Fira Code Retina" pitchFamily="49" charset="0"/>
+                          <a:cs typeface="Fira Code Retina" pitchFamily="49" charset="0"/>
+                        </a:rPr>
+                        <a:t>mutate()</a:t>
+                      </a:r>
+                      <a:endParaRPr lang="en-US" sz="1800" dirty="0">
+                        <a:solidFill>
+                          <a:schemeClr val="accent1"/>
+                        </a:solidFill>
+                        <a:latin typeface="Fira Code Retina" pitchFamily="49" charset="0"/>
+                        <a:ea typeface="Fira Code Retina" pitchFamily="49" charset="0"/>
+                        <a:cs typeface="Fira Code Retina" pitchFamily="49" charset="0"/>
+                      </a:endParaRPr>
+                    </a:p>
+                  </a:txBody>
+                  <a:tcPr>
+                    <a:lnL w="12700" cap="flat" cmpd="sng" algn="ctr">
+                      <a:noFill/>
+                      <a:prstDash val="solid"/>
+                      <a:round/>
+                      <a:headEnd type="none" w="med" len="med"/>
+                      <a:tailEnd type="none" w="med" len="med"/>
+                    </a:lnL>
+                    <a:lnR w="12700" cap="flat" cmpd="sng" algn="ctr">
+                      <a:solidFill>
+                        <a:srgbClr val="879238"/>
+                      </a:solidFill>
+                      <a:prstDash val="solid"/>
+                      <a:round/>
+                      <a:headEnd type="none" w="med" len="med"/>
+                      <a:tailEnd type="none" w="med" len="med"/>
+                    </a:lnR>
+                  </a:tcPr>
+                </a:tc>
+                <a:tc>
+                  <a:txBody>
+                    <a:bodyPr/>
+                    <a:lstStyle/>
+                    <a:p>
+                      <a:r>
+                        <a:rPr lang="en-SG" sz="2000" b="0" i="0" kern="1200" dirty="0">
+                          <a:solidFill>
+                            <a:schemeClr val="tx1"/>
+                          </a:solidFill>
+                          <a:effectLst/>
+                          <a:latin typeface="+mn-lt"/>
+                          <a:ea typeface="+mn-ea"/>
+                          <a:cs typeface="+mn-cs"/>
+                        </a:rPr>
+                        <a:t>Create new columns by using information from other columns</a:t>
+                      </a:r>
+                    </a:p>
+                  </a:txBody>
+                  <a:tcPr>
+                    <a:lnL w="12700" cap="flat" cmpd="sng" algn="ctr">
+                      <a:solidFill>
+                        <a:srgbClr val="879238"/>
+                      </a:solidFill>
+                      <a:prstDash val="solid"/>
+                      <a:round/>
+                      <a:headEnd type="none" w="med" len="med"/>
+                      <a:tailEnd type="none" w="med" len="med"/>
+                    </a:lnL>
+                    <a:lnR w="12700" cap="flat" cmpd="sng" algn="ctr">
+                      <a:noFill/>
+                      <a:prstDash val="solid"/>
+                      <a:round/>
+                      <a:headEnd type="none" w="med" len="med"/>
+                      <a:tailEnd type="none" w="med" len="med"/>
+                    </a:lnR>
+                  </a:tcPr>
+                </a:tc>
+                <a:extLst>
+                  <a:ext uri="{0D108BD9-81ED-4DB2-BD59-A6C34878D82A}">
+                    <a16:rowId xmlns:a16="http://schemas.microsoft.com/office/drawing/2014/main" val="2996370014"/>
+                  </a:ext>
+                </a:extLst>
+              </a:tr>
+              <a:tr h="370840">
+                <a:tc>
+                  <a:txBody>
+                    <a:bodyPr/>
+                    <a:lstStyle/>
+                    <a:p>
+                      <a:r>
+                        <a:rPr lang="en-SG" sz="1800" b="0" i="0" kern="1200" dirty="0" err="1">
+                          <a:solidFill>
+                            <a:schemeClr val="accent1"/>
+                          </a:solidFill>
+                          <a:effectLst/>
+                          <a:latin typeface="Fira Code Retina" pitchFamily="49" charset="0"/>
+                          <a:ea typeface="Fira Code Retina" pitchFamily="49" charset="0"/>
+                          <a:cs typeface="Fira Code Retina" pitchFamily="49" charset="0"/>
+                        </a:rPr>
+                        <a:t>group_by</a:t>
+                      </a:r>
+                      <a:r>
+                        <a:rPr lang="en-SG" sz="1800" b="0" i="0" kern="1200" dirty="0">
+                          <a:solidFill>
+                            <a:schemeClr val="accent1"/>
+                          </a:solidFill>
+                          <a:effectLst/>
+                          <a:latin typeface="Fira Code Retina" pitchFamily="49" charset="0"/>
+                          <a:ea typeface="Fira Code Retina" pitchFamily="49" charset="0"/>
+                          <a:cs typeface="Fira Code Retina" pitchFamily="49" charset="0"/>
+                        </a:rPr>
+                        <a:t>(), summarize()</a:t>
+                      </a:r>
+                      <a:endParaRPr lang="en-US" sz="1800" dirty="0">
+                        <a:solidFill>
+                          <a:schemeClr val="accent1"/>
+                        </a:solidFill>
+                        <a:latin typeface="Fira Code Retina" pitchFamily="49" charset="0"/>
+                        <a:ea typeface="Fira Code Retina" pitchFamily="49" charset="0"/>
+                        <a:cs typeface="Fira Code Retina" pitchFamily="49" charset="0"/>
+                      </a:endParaRPr>
+                    </a:p>
+                  </a:txBody>
+                  <a:tcPr>
+                    <a:lnL w="12700" cap="flat" cmpd="sng" algn="ctr">
+                      <a:noFill/>
+                      <a:prstDash val="solid"/>
+                      <a:round/>
+                      <a:headEnd type="none" w="med" len="med"/>
+                      <a:tailEnd type="none" w="med" len="med"/>
+                    </a:lnL>
+                    <a:lnR w="12700" cap="flat" cmpd="sng" algn="ctr">
+                      <a:solidFill>
+                        <a:srgbClr val="879238"/>
+                      </a:solidFill>
+                      <a:prstDash val="solid"/>
+                      <a:round/>
+                      <a:headEnd type="none" w="med" len="med"/>
+                      <a:tailEnd type="none" w="med" len="med"/>
+                    </a:lnR>
+                  </a:tcPr>
+                </a:tc>
+                <a:tc>
+                  <a:txBody>
+                    <a:bodyPr/>
+                    <a:lstStyle/>
+                    <a:p>
+                      <a:r>
+                        <a:rPr lang="en-SG" sz="2000" b="0" i="0" kern="1200" dirty="0">
+                          <a:solidFill>
+                            <a:schemeClr val="tx1"/>
+                          </a:solidFill>
+                          <a:effectLst/>
+                          <a:latin typeface="+mn-lt"/>
+                          <a:ea typeface="+mn-ea"/>
+                          <a:cs typeface="+mn-cs"/>
+                        </a:rPr>
+                        <a:t>Create summary statistics on grouped data</a:t>
+                      </a:r>
+                    </a:p>
+                  </a:txBody>
+                  <a:tcPr>
+                    <a:lnL w="12700" cap="flat" cmpd="sng" algn="ctr">
+                      <a:solidFill>
+                        <a:srgbClr val="879238"/>
+                      </a:solidFill>
+                      <a:prstDash val="solid"/>
+                      <a:round/>
+                      <a:headEnd type="none" w="med" len="med"/>
+                      <a:tailEnd type="none" w="med" len="med"/>
+                    </a:lnL>
+                    <a:lnR w="12700" cap="flat" cmpd="sng" algn="ctr">
+                      <a:noFill/>
+                      <a:prstDash val="solid"/>
+                      <a:round/>
+                      <a:headEnd type="none" w="med" len="med"/>
+                      <a:tailEnd type="none" w="med" len="med"/>
+                    </a:lnR>
+                  </a:tcPr>
+                </a:tc>
+                <a:extLst>
+                  <a:ext uri="{0D108BD9-81ED-4DB2-BD59-A6C34878D82A}">
+                    <a16:rowId xmlns:a16="http://schemas.microsoft.com/office/drawing/2014/main" val="955475774"/>
+                  </a:ext>
+                </a:extLst>
+              </a:tr>
+              <a:tr h="370840">
+                <a:tc>
+                  <a:txBody>
+                    <a:bodyPr/>
+                    <a:lstStyle/>
+                    <a:p>
+                      <a:r>
+                        <a:rPr lang="en-SG" sz="1800" b="0" i="0" kern="1200" dirty="0">
+                          <a:solidFill>
+                            <a:schemeClr val="accent1"/>
+                          </a:solidFill>
+                          <a:effectLst/>
+                          <a:latin typeface="Fira Code Retina" pitchFamily="49" charset="0"/>
+                          <a:ea typeface="Fira Code Retina" pitchFamily="49" charset="0"/>
+                          <a:cs typeface="Fira Code Retina" pitchFamily="49" charset="0"/>
+                        </a:rPr>
+                        <a:t>arrange()</a:t>
+                      </a:r>
+                      <a:endParaRPr lang="en-US" sz="1800" dirty="0">
+                        <a:solidFill>
+                          <a:schemeClr val="accent1"/>
+                        </a:solidFill>
+                        <a:latin typeface="Fira Code Retina" pitchFamily="49" charset="0"/>
+                        <a:ea typeface="Fira Code Retina" pitchFamily="49" charset="0"/>
+                        <a:cs typeface="Fira Code Retina" pitchFamily="49" charset="0"/>
+                      </a:endParaRPr>
+                    </a:p>
+                  </a:txBody>
+                  <a:tcPr>
+                    <a:lnL w="12700" cap="flat" cmpd="sng" algn="ctr">
+                      <a:noFill/>
+                      <a:prstDash val="solid"/>
+                      <a:round/>
+                      <a:headEnd type="none" w="med" len="med"/>
+                      <a:tailEnd type="none" w="med" len="med"/>
+                    </a:lnL>
+                    <a:lnR w="12700" cap="flat" cmpd="sng" algn="ctr">
+                      <a:solidFill>
+                        <a:srgbClr val="879238"/>
+                      </a:solidFill>
+                      <a:prstDash val="solid"/>
+                      <a:round/>
+                      <a:headEnd type="none" w="med" len="med"/>
+                      <a:tailEnd type="none" w="med" len="med"/>
+                    </a:lnR>
+                  </a:tcPr>
+                </a:tc>
+                <a:tc>
+                  <a:txBody>
+                    <a:bodyPr/>
+                    <a:lstStyle/>
+                    <a:p>
+                      <a:r>
+                        <a:rPr lang="en-SG" sz="2000" b="0" i="0" kern="1200" dirty="0">
+                          <a:solidFill>
+                            <a:schemeClr val="tx1"/>
+                          </a:solidFill>
+                          <a:effectLst/>
+                          <a:latin typeface="+mn-lt"/>
+                          <a:ea typeface="+mn-ea"/>
+                          <a:cs typeface="+mn-cs"/>
+                        </a:rPr>
+                        <a:t>Sort results</a:t>
+                      </a:r>
+                    </a:p>
+                  </a:txBody>
+                  <a:tcPr>
+                    <a:lnL w="12700" cap="flat" cmpd="sng" algn="ctr">
+                      <a:solidFill>
+                        <a:srgbClr val="879238"/>
+                      </a:solidFill>
+                      <a:prstDash val="solid"/>
+                      <a:round/>
+                      <a:headEnd type="none" w="med" len="med"/>
+                      <a:tailEnd type="none" w="med" len="med"/>
+                    </a:lnL>
+                    <a:lnR w="12700" cap="flat" cmpd="sng" algn="ctr">
+                      <a:noFill/>
+                      <a:prstDash val="solid"/>
+                      <a:round/>
+                      <a:headEnd type="none" w="med" len="med"/>
+                      <a:tailEnd type="none" w="med" len="med"/>
+                    </a:lnR>
+                  </a:tcPr>
+                </a:tc>
+                <a:extLst>
+                  <a:ext uri="{0D108BD9-81ED-4DB2-BD59-A6C34878D82A}">
+                    <a16:rowId xmlns:a16="http://schemas.microsoft.com/office/drawing/2014/main" val="226821048"/>
+                  </a:ext>
+                </a:extLst>
+              </a:tr>
+              <a:tr h="370840">
+                <a:tc>
+                  <a:txBody>
+                    <a:bodyPr/>
+                    <a:lstStyle/>
+                    <a:p>
+                      <a:r>
+                        <a:rPr lang="en-SG" sz="1800" dirty="0">
+                          <a:solidFill>
+                            <a:schemeClr val="accent1"/>
+                          </a:solidFill>
+                          <a:effectLst/>
+                          <a:latin typeface="Fira Code Retina" pitchFamily="49" charset="0"/>
+                          <a:ea typeface="Fira Code Retina" pitchFamily="49" charset="0"/>
+                          <a:cs typeface="Fira Code Retina" pitchFamily="49" charset="0"/>
+                        </a:rPr>
+                        <a:t>count()</a:t>
+                      </a:r>
+                      <a:endParaRPr lang="en-US" sz="1800" dirty="0">
+                        <a:solidFill>
+                          <a:schemeClr val="accent1"/>
+                        </a:solidFill>
+                        <a:latin typeface="Fira Code Retina" pitchFamily="49" charset="0"/>
+                        <a:ea typeface="Fira Code Retina" pitchFamily="49" charset="0"/>
+                        <a:cs typeface="Fira Code Retina" pitchFamily="49" charset="0"/>
+                      </a:endParaRPr>
+                    </a:p>
+                  </a:txBody>
+                  <a:tcPr>
+                    <a:lnL w="12700" cap="flat" cmpd="sng" algn="ctr">
+                      <a:noFill/>
+                      <a:prstDash val="solid"/>
+                      <a:round/>
+                      <a:headEnd type="none" w="med" len="med"/>
+                      <a:tailEnd type="none" w="med" len="med"/>
+                    </a:lnL>
+                    <a:lnR w="12700" cap="flat" cmpd="sng" algn="ctr">
+                      <a:solidFill>
+                        <a:srgbClr val="879238"/>
+                      </a:solidFill>
+                      <a:prstDash val="solid"/>
+                      <a:round/>
+                      <a:headEnd type="none" w="med" len="med"/>
+                      <a:tailEnd type="none" w="med" len="med"/>
+                    </a:lnR>
+                    <a:lnB w="12700" cap="flat" cmpd="sng" algn="ctr">
+                      <a:solidFill>
+                        <a:srgbClr val="879238"/>
+                      </a:solidFill>
+                      <a:prstDash val="solid"/>
+                      <a:round/>
+                      <a:headEnd type="none" w="med" len="med"/>
+                      <a:tailEnd type="none" w="med" len="med"/>
+                    </a:lnB>
+                  </a:tcPr>
+                </a:tc>
+                <a:tc>
+                  <a:txBody>
+                    <a:bodyPr/>
+                    <a:lstStyle/>
+                    <a:p>
+                      <a:r>
+                        <a:rPr lang="en-SG" sz="2000" dirty="0">
+                          <a:effectLst/>
+                        </a:rPr>
+                        <a:t>Count discrete values</a:t>
+                      </a:r>
+                    </a:p>
+                  </a:txBody>
+                  <a:tcPr>
+                    <a:lnL w="12700" cap="flat" cmpd="sng" algn="ctr">
+                      <a:solidFill>
+                        <a:srgbClr val="879238"/>
+                      </a:solidFill>
+                      <a:prstDash val="solid"/>
+                      <a:round/>
+                      <a:headEnd type="none" w="med" len="med"/>
+                      <a:tailEnd type="none" w="med" len="med"/>
+                    </a:lnL>
+                    <a:lnR w="12700" cap="flat" cmpd="sng" algn="ctr">
+                      <a:noFill/>
+                      <a:prstDash val="solid"/>
+                      <a:round/>
+                      <a:headEnd type="none" w="med" len="med"/>
+                      <a:tailEnd type="none" w="med" len="med"/>
+                    </a:lnR>
+                    <a:lnB w="12700" cap="flat" cmpd="sng" algn="ctr">
+                      <a:solidFill>
+                        <a:srgbClr val="879238"/>
+                      </a:solidFill>
+                      <a:prstDash val="solid"/>
+                      <a:round/>
+                      <a:headEnd type="none" w="med" len="med"/>
+                      <a:tailEnd type="none" w="med" len="med"/>
+                    </a:lnB>
+                  </a:tcPr>
+                </a:tc>
+                <a:extLst>
+                  <a:ext uri="{0D108BD9-81ED-4DB2-BD59-A6C34878D82A}">
+                    <a16:rowId xmlns:a16="http://schemas.microsoft.com/office/drawing/2014/main" val="1936186914"/>
+                  </a:ext>
+                </a:extLst>
+              </a:tr>
+            </a:tbl>
+          </a:graphicData>
+        </a:graphic>
+      </p:graphicFrame>
+    </p:spTree>
+    <p:extLst>
+      <p:ext uri="{BB962C8B-B14F-4D97-AF65-F5344CB8AC3E}">
+        <p14:creationId xmlns:p14="http://schemas.microsoft.com/office/powerpoint/2010/main" val="459958620"/>
       </p:ext>
     </p:extLst>
   </p:cSld>

--- a/ex/03_manipulating_data.pptx
+++ b/ex/03_manipulating_data.pptx
@@ -348,7 +348,7 @@
           <a:p>
             <a:fld id="{5FCDCD17-B0B1-A244-9BB5-D7228F76BED7}" type="datetime3">
               <a:rPr lang="en-SG" smtClean="0"/>
-              <a:t>27 February 2023</a:t>
+              <a:t>6 March 2023</a:t>
             </a:fld>
             <a:endParaRPr lang="en-US" dirty="0"/>
           </a:p>
@@ -716,7 +716,7 @@
           <a:p>
             <a:fld id="{ADD28603-00EC-3A4D-B44A-BEF0A0F382C6}" type="datetime3">
               <a:rPr lang="en-SG" smtClean="0"/>
-              <a:t>27 February 2023</a:t>
+              <a:t>6 March 2023</a:t>
             </a:fld>
             <a:endParaRPr lang="en-US"/>
           </a:p>
@@ -1114,7 +1114,7 @@
           <a:p>
             <a:fld id="{E6645DC1-DD2E-5147-813A-145518F6A88E}" type="datetime3">
               <a:rPr lang="en-SG" smtClean="0"/>
-              <a:t>27 February 2023</a:t>
+              <a:t>6 March 2023</a:t>
             </a:fld>
             <a:endParaRPr lang="en-US"/>
           </a:p>
@@ -1415,7 +1415,7 @@
           <a:p>
             <a:fld id="{9CE5D27D-0906-C849-85EF-1698976BF415}" type="datetime3">
               <a:rPr lang="en-SG" smtClean="0"/>
-              <a:t>27 February 2023</a:t>
+              <a:t>6 March 2023</a:t>
             </a:fld>
             <a:endParaRPr lang="en-US"/>
           </a:p>
@@ -1993,7 +1993,7 @@
           <a:p>
             <a:fld id="{B644A007-AED7-CC4E-A6C9-9429041AE4C9}" type="datetime3">
               <a:rPr lang="en-SG" smtClean="0"/>
-              <a:t>27 February 2023</a:t>
+              <a:t>6 March 2023</a:t>
             </a:fld>
             <a:endParaRPr lang="en-US"/>
           </a:p>
@@ -2401,7 +2401,7 @@
           <a:p>
             <a:fld id="{06911E40-0033-E74E-A93D-D0B3F4840C2B}" type="datetime3">
               <a:rPr lang="en-SG" smtClean="0"/>
-              <a:t>27 February 2023</a:t>
+              <a:t>6 March 2023</a:t>
             </a:fld>
             <a:endParaRPr lang="en-US"/>
           </a:p>
@@ -2614,7 +2614,7 @@
           <a:p>
             <a:fld id="{FDD5ADF8-FB30-A140-BC76-B82B3346A618}" type="datetime3">
               <a:rPr lang="en-SG" smtClean="0"/>
-              <a:t>27 February 2023</a:t>
+              <a:t>6 March 2023</a:t>
             </a:fld>
             <a:endParaRPr lang="en-US"/>
           </a:p>
@@ -2957,7 +2957,7 @@
           <a:p>
             <a:fld id="{2EF13291-2998-1E45-BB6C-14491E304C83}" type="datetime3">
               <a:rPr lang="en-SG" smtClean="0"/>
-              <a:t>27 February 2023</a:t>
+              <a:t>6 March 2023</a:t>
             </a:fld>
             <a:endParaRPr lang="en-US"/>
           </a:p>
@@ -3276,7 +3276,7 @@
           <a:p>
             <a:fld id="{7BDC71DE-80FC-B640-A19E-6715081E17F0}" type="datetime3">
               <a:rPr lang="en-SG" smtClean="0"/>
-              <a:t>27 February 2023</a:t>
+              <a:t>6 March 2023</a:t>
             </a:fld>
             <a:endParaRPr lang="en-US"/>
           </a:p>
@@ -3551,7 +3551,7 @@
           <a:p>
             <a:fld id="{39E2CDA4-D7DD-D048-900A-DFEB5E81218B}" type="datetime3">
               <a:rPr lang="en-SG" smtClean="0"/>
-              <a:t>27 February 2023</a:t>
+              <a:t>6 March 2023</a:t>
             </a:fld>
             <a:endParaRPr lang="en-US" dirty="0"/>
           </a:p>
@@ -4032,12 +4032,8 @@
               <a:t>: </a:t>
             </a:r>
             <a:r>
-              <a:rPr lang="en-US" dirty="0" err="1"/>
-              <a:t>Manupilating</a:t>
-            </a:r>
-            <a:r>
               <a:rPr lang="en-US" dirty="0"/>
-              <a:t> data</a:t>
+              <a:t>Manipulating data</a:t>
             </a:r>
             <a:endParaRPr dirty="0"/>
           </a:p>

--- a/ex/03_manipulating_data.pptx
+++ b/ex/03_manipulating_data.pptx
@@ -348,7 +348,7 @@
           <a:p>
             <a:fld id="{5FCDCD17-B0B1-A244-9BB5-D7228F76BED7}" type="datetime3">
               <a:rPr lang="en-SG" smtClean="0"/>
-              <a:t>6 March 2023</a:t>
+              <a:t>24 March 2023</a:t>
             </a:fld>
             <a:endParaRPr lang="en-US" dirty="0"/>
           </a:p>
@@ -716,7 +716,7 @@
           <a:p>
             <a:fld id="{ADD28603-00EC-3A4D-B44A-BEF0A0F382C6}" type="datetime3">
               <a:rPr lang="en-SG" smtClean="0"/>
-              <a:t>6 March 2023</a:t>
+              <a:t>24 March 2023</a:t>
             </a:fld>
             <a:endParaRPr lang="en-US"/>
           </a:p>
@@ -1114,7 +1114,7 @@
           <a:p>
             <a:fld id="{E6645DC1-DD2E-5147-813A-145518F6A88E}" type="datetime3">
               <a:rPr lang="en-SG" smtClean="0"/>
-              <a:t>6 March 2023</a:t>
+              <a:t>24 March 2023</a:t>
             </a:fld>
             <a:endParaRPr lang="en-US"/>
           </a:p>
@@ -1415,7 +1415,7 @@
           <a:p>
             <a:fld id="{9CE5D27D-0906-C849-85EF-1698976BF415}" type="datetime3">
               <a:rPr lang="en-SG" smtClean="0"/>
-              <a:t>6 March 2023</a:t>
+              <a:t>24 March 2023</a:t>
             </a:fld>
             <a:endParaRPr lang="en-US"/>
           </a:p>
@@ -1993,7 +1993,7 @@
           <a:p>
             <a:fld id="{B644A007-AED7-CC4E-A6C9-9429041AE4C9}" type="datetime3">
               <a:rPr lang="en-SG" smtClean="0"/>
-              <a:t>6 March 2023</a:t>
+              <a:t>24 March 2023</a:t>
             </a:fld>
             <a:endParaRPr lang="en-US"/>
           </a:p>
@@ -2401,7 +2401,7 @@
           <a:p>
             <a:fld id="{06911E40-0033-E74E-A93D-D0B3F4840C2B}" type="datetime3">
               <a:rPr lang="en-SG" smtClean="0"/>
-              <a:t>6 March 2023</a:t>
+              <a:t>24 March 2023</a:t>
             </a:fld>
             <a:endParaRPr lang="en-US"/>
           </a:p>
@@ -2614,7 +2614,7 @@
           <a:p>
             <a:fld id="{FDD5ADF8-FB30-A140-BC76-B82B3346A618}" type="datetime3">
               <a:rPr lang="en-SG" smtClean="0"/>
-              <a:t>6 March 2023</a:t>
+              <a:t>24 March 2023</a:t>
             </a:fld>
             <a:endParaRPr lang="en-US"/>
           </a:p>
@@ -2957,7 +2957,7 @@
           <a:p>
             <a:fld id="{2EF13291-2998-1E45-BB6C-14491E304C83}" type="datetime3">
               <a:rPr lang="en-SG" smtClean="0"/>
-              <a:t>6 March 2023</a:t>
+              <a:t>24 March 2023</a:t>
             </a:fld>
             <a:endParaRPr lang="en-US"/>
           </a:p>
@@ -3276,7 +3276,7 @@
           <a:p>
             <a:fld id="{7BDC71DE-80FC-B640-A19E-6715081E17F0}" type="datetime3">
               <a:rPr lang="en-SG" smtClean="0"/>
-              <a:t>6 March 2023</a:t>
+              <a:t>24 March 2023</a:t>
             </a:fld>
             <a:endParaRPr lang="en-US"/>
           </a:p>
@@ -3551,7 +3551,7 @@
           <a:p>
             <a:fld id="{39E2CDA4-D7DD-D048-900A-DFEB5E81218B}" type="datetime3">
               <a:rPr lang="en-SG" smtClean="0"/>
-              <a:t>6 March 2023</a:t>
+              <a:t>24 March 2023</a:t>
             </a:fld>
             <a:endParaRPr lang="en-US" dirty="0"/>
           </a:p>
@@ -4020,15 +4020,13 @@
               <a:buNone/>
             </a:pPr>
             <a:r>
-              <a:rPr dirty="0"/>
-              <a:t>R </a:t>
-            </a:r>
-            <a:r>
-              <a:rPr dirty="0" err="1"/>
-              <a:t>Clud</a:t>
-            </a:r>
-            <a:r>
-              <a:rPr dirty="0"/>
+              <a:t>R Clu</a:t>
+            </a:r>
+            <a:r>
+              <a:rPr lang="en-US"/>
+              <a:t>b</a:t>
+            </a:r>
+            <a:r>
               <a:t>: </a:t>
             </a:r>
             <a:r>
